--- a/HighCondRepresentativeModelTests/HighCondModels_PSCCurrents/Plots/SDprox2RepresentativeConductance.pptx
+++ b/HighCondRepresentativeModelTests/HighCondModels_PSCCurrents/Plots/SDprox2RepresentativeConductance.pptx
@@ -243,7 +243,7 @@
           <a:p>
             <a:fld id="{13B4EEC1-59A0-6147-A616-EE74AE21FFF0}" type="datetimeFigureOut">
               <a:rPr lang="en-US" smtClean="0"/>
-              <a:t>9/18/17</a:t>
+              <a:t>10/16/17</a:t>
             </a:fld>
             <a:endParaRPr lang="en-US"/>
           </a:p>
@@ -408,7 +408,7 @@
           <a:p>
             <a:fld id="{13B4EEC1-59A0-6147-A616-EE74AE21FFF0}" type="datetimeFigureOut">
               <a:rPr lang="en-US" smtClean="0"/>
-              <a:t>9/18/17</a:t>
+              <a:t>10/16/17</a:t>
             </a:fld>
             <a:endParaRPr lang="en-US"/>
           </a:p>
@@ -583,7 +583,7 @@
           <a:p>
             <a:fld id="{13B4EEC1-59A0-6147-A616-EE74AE21FFF0}" type="datetimeFigureOut">
               <a:rPr lang="en-US" smtClean="0"/>
-              <a:t>9/18/17</a:t>
+              <a:t>10/16/17</a:t>
             </a:fld>
             <a:endParaRPr lang="en-US"/>
           </a:p>
@@ -748,7 +748,7 @@
           <a:p>
             <a:fld id="{13B4EEC1-59A0-6147-A616-EE74AE21FFF0}" type="datetimeFigureOut">
               <a:rPr lang="en-US" smtClean="0"/>
-              <a:t>9/18/17</a:t>
+              <a:t>10/16/17</a:t>
             </a:fld>
             <a:endParaRPr lang="en-US"/>
           </a:p>
@@ -987,7 +987,7 @@
           <a:p>
             <a:fld id="{13B4EEC1-59A0-6147-A616-EE74AE21FFF0}" type="datetimeFigureOut">
               <a:rPr lang="en-US" smtClean="0"/>
-              <a:t>9/18/17</a:t>
+              <a:t>10/16/17</a:t>
             </a:fld>
             <a:endParaRPr lang="en-US"/>
           </a:p>
@@ -1214,7 +1214,7 @@
           <a:p>
             <a:fld id="{13B4EEC1-59A0-6147-A616-EE74AE21FFF0}" type="datetimeFigureOut">
               <a:rPr lang="en-US" smtClean="0"/>
-              <a:t>9/18/17</a:t>
+              <a:t>10/16/17</a:t>
             </a:fld>
             <a:endParaRPr lang="en-US"/>
           </a:p>
@@ -1576,7 +1576,7 @@
           <a:p>
             <a:fld id="{13B4EEC1-59A0-6147-A616-EE74AE21FFF0}" type="datetimeFigureOut">
               <a:rPr lang="en-US" smtClean="0"/>
-              <a:t>9/18/17</a:t>
+              <a:t>10/16/17</a:t>
             </a:fld>
             <a:endParaRPr lang="en-US"/>
           </a:p>
@@ -1689,7 +1689,7 @@
           <a:p>
             <a:fld id="{13B4EEC1-59A0-6147-A616-EE74AE21FFF0}" type="datetimeFigureOut">
               <a:rPr lang="en-US" smtClean="0"/>
-              <a:t>9/18/17</a:t>
+              <a:t>10/16/17</a:t>
             </a:fld>
             <a:endParaRPr lang="en-US"/>
           </a:p>
@@ -1779,7 +1779,7 @@
           <a:p>
             <a:fld id="{13B4EEC1-59A0-6147-A616-EE74AE21FFF0}" type="datetimeFigureOut">
               <a:rPr lang="en-US" smtClean="0"/>
-              <a:t>9/18/17</a:t>
+              <a:t>10/16/17</a:t>
             </a:fld>
             <a:endParaRPr lang="en-US"/>
           </a:p>
@@ -2051,7 +2051,7 @@
           <a:p>
             <a:fld id="{13B4EEC1-59A0-6147-A616-EE74AE21FFF0}" type="datetimeFigureOut">
               <a:rPr lang="en-US" smtClean="0"/>
-              <a:t>9/18/17</a:t>
+              <a:t>10/16/17</a:t>
             </a:fld>
             <a:endParaRPr lang="en-US"/>
           </a:p>
@@ -2303,7 +2303,7 @@
           <a:p>
             <a:fld id="{13B4EEC1-59A0-6147-A616-EE74AE21FFF0}" type="datetimeFigureOut">
               <a:rPr lang="en-US" smtClean="0"/>
-              <a:t>9/18/17</a:t>
+              <a:t>10/16/17</a:t>
             </a:fld>
             <a:endParaRPr lang="en-US"/>
           </a:p>
@@ -2511,7 +2511,7 @@
           <a:p>
             <a:fld id="{13B4EEC1-59A0-6147-A616-EE74AE21FFF0}" type="datetimeFigureOut">
               <a:rPr lang="en-US" smtClean="0"/>
-              <a:t>9/18/17</a:t>
+              <a:t>10/16/17</a:t>
             </a:fld>
             <a:endParaRPr lang="en-US"/>
           </a:p>
@@ -3530,6 +3530,1310 @@
           </a:prstGeom>
         </p:spPr>
       </p:pic>
+      <p:sp>
+        <p:nvSpPr>
+          <p:cNvPr id="25" name="Rectangle 24"/>
+          <p:cNvSpPr/>
+          <p:nvPr/>
+        </p:nvSpPr>
+        <p:spPr>
+          <a:xfrm>
+            <a:off x="7409673" y="7647709"/>
+            <a:ext cx="293454" cy="2189018"/>
+          </a:xfrm>
+          <a:prstGeom prst="rect">
+            <a:avLst/>
+          </a:prstGeom>
+          <a:solidFill>
+            <a:schemeClr val="bg1"/>
+          </a:solidFill>
+          <a:ln>
+            <a:solidFill>
+              <a:schemeClr val="bg1"/>
+            </a:solidFill>
+          </a:ln>
+        </p:spPr>
+        <p:style>
+          <a:lnRef idx="2">
+            <a:schemeClr val="accent1">
+              <a:shade val="50000"/>
+            </a:schemeClr>
+          </a:lnRef>
+          <a:fillRef idx="1">
+            <a:schemeClr val="accent1"/>
+          </a:fillRef>
+          <a:effectRef idx="0">
+            <a:schemeClr val="accent1"/>
+          </a:effectRef>
+          <a:fontRef idx="minor">
+            <a:schemeClr val="lt1"/>
+          </a:fontRef>
+        </p:style>
+        <p:txBody>
+          <a:bodyPr rtlCol="0" anchor="ctr"/>
+          <a:lstStyle/>
+          <a:p>
+            <a:pPr algn="ctr"/>
+            <a:endParaRPr lang="en-US"/>
+          </a:p>
+        </p:txBody>
+      </p:sp>
+      <p:sp>
+        <p:nvSpPr>
+          <p:cNvPr id="26" name="Rectangle 25"/>
+          <p:cNvSpPr/>
+          <p:nvPr/>
+        </p:nvSpPr>
+        <p:spPr>
+          <a:xfrm>
+            <a:off x="14501489" y="7657243"/>
+            <a:ext cx="293454" cy="2189018"/>
+          </a:xfrm>
+          <a:prstGeom prst="rect">
+            <a:avLst/>
+          </a:prstGeom>
+          <a:solidFill>
+            <a:schemeClr val="bg1"/>
+          </a:solidFill>
+          <a:ln>
+            <a:solidFill>
+              <a:schemeClr val="bg1"/>
+            </a:solidFill>
+          </a:ln>
+        </p:spPr>
+        <p:style>
+          <a:lnRef idx="2">
+            <a:schemeClr val="accent1">
+              <a:shade val="50000"/>
+            </a:schemeClr>
+          </a:lnRef>
+          <a:fillRef idx="1">
+            <a:schemeClr val="accent1"/>
+          </a:fillRef>
+          <a:effectRef idx="0">
+            <a:schemeClr val="accent1"/>
+          </a:effectRef>
+          <a:fontRef idx="minor">
+            <a:schemeClr val="lt1"/>
+          </a:fontRef>
+        </p:style>
+        <p:txBody>
+          <a:bodyPr rtlCol="0" anchor="ctr"/>
+          <a:lstStyle/>
+          <a:p>
+            <a:pPr algn="ctr"/>
+            <a:endParaRPr lang="en-US" baseline="-25000" dirty="0"/>
+          </a:p>
+        </p:txBody>
+      </p:sp>
+      <p:sp>
+        <p:nvSpPr>
+          <p:cNvPr id="28" name="Rectangle 27"/>
+          <p:cNvSpPr/>
+          <p:nvPr/>
+        </p:nvSpPr>
+        <p:spPr>
+          <a:xfrm>
+            <a:off x="21433745" y="7740438"/>
+            <a:ext cx="293454" cy="2189018"/>
+          </a:xfrm>
+          <a:prstGeom prst="rect">
+            <a:avLst/>
+          </a:prstGeom>
+          <a:solidFill>
+            <a:schemeClr val="bg1"/>
+          </a:solidFill>
+          <a:ln>
+            <a:solidFill>
+              <a:schemeClr val="bg1"/>
+            </a:solidFill>
+          </a:ln>
+        </p:spPr>
+        <p:style>
+          <a:lnRef idx="2">
+            <a:schemeClr val="accent1">
+              <a:shade val="50000"/>
+            </a:schemeClr>
+          </a:lnRef>
+          <a:fillRef idx="1">
+            <a:schemeClr val="accent1"/>
+          </a:fillRef>
+          <a:effectRef idx="0">
+            <a:schemeClr val="accent1"/>
+          </a:effectRef>
+          <a:fontRef idx="minor">
+            <a:schemeClr val="lt1"/>
+          </a:fontRef>
+        </p:style>
+        <p:txBody>
+          <a:bodyPr rtlCol="0" anchor="ctr"/>
+          <a:lstStyle/>
+          <a:p>
+            <a:pPr algn="ctr"/>
+            <a:endParaRPr lang="en-US"/>
+          </a:p>
+        </p:txBody>
+      </p:sp>
+      <p:sp>
+        <p:nvSpPr>
+          <p:cNvPr id="31" name="Rectangle 30"/>
+          <p:cNvSpPr/>
+          <p:nvPr/>
+        </p:nvSpPr>
+        <p:spPr>
+          <a:xfrm>
+            <a:off x="21507877" y="2085277"/>
+            <a:ext cx="293454" cy="2189018"/>
+          </a:xfrm>
+          <a:prstGeom prst="rect">
+            <a:avLst/>
+          </a:prstGeom>
+          <a:solidFill>
+            <a:schemeClr val="bg1"/>
+          </a:solidFill>
+          <a:ln>
+            <a:solidFill>
+              <a:schemeClr val="bg1"/>
+            </a:solidFill>
+          </a:ln>
+        </p:spPr>
+        <p:style>
+          <a:lnRef idx="2">
+            <a:schemeClr val="accent1">
+              <a:shade val="50000"/>
+            </a:schemeClr>
+          </a:lnRef>
+          <a:fillRef idx="1">
+            <a:schemeClr val="accent1"/>
+          </a:fillRef>
+          <a:effectRef idx="0">
+            <a:schemeClr val="accent1"/>
+          </a:effectRef>
+          <a:fontRef idx="minor">
+            <a:schemeClr val="lt1"/>
+          </a:fontRef>
+        </p:style>
+        <p:txBody>
+          <a:bodyPr rtlCol="0" anchor="ctr"/>
+          <a:lstStyle/>
+          <a:p>
+            <a:pPr algn="ctr"/>
+            <a:endParaRPr lang="en-US"/>
+          </a:p>
+        </p:txBody>
+      </p:sp>
+      <p:sp>
+        <p:nvSpPr>
+          <p:cNvPr id="32" name="Rectangle 31"/>
+          <p:cNvSpPr/>
+          <p:nvPr/>
+        </p:nvSpPr>
+        <p:spPr>
+          <a:xfrm>
+            <a:off x="21518412" y="13260383"/>
+            <a:ext cx="293454" cy="2189018"/>
+          </a:xfrm>
+          <a:prstGeom prst="rect">
+            <a:avLst/>
+          </a:prstGeom>
+          <a:solidFill>
+            <a:schemeClr val="bg1"/>
+          </a:solidFill>
+          <a:ln>
+            <a:solidFill>
+              <a:schemeClr val="bg1"/>
+            </a:solidFill>
+          </a:ln>
+        </p:spPr>
+        <p:style>
+          <a:lnRef idx="2">
+            <a:schemeClr val="accent1">
+              <a:shade val="50000"/>
+            </a:schemeClr>
+          </a:lnRef>
+          <a:fillRef idx="1">
+            <a:schemeClr val="accent1"/>
+          </a:fillRef>
+          <a:effectRef idx="0">
+            <a:schemeClr val="accent1"/>
+          </a:effectRef>
+          <a:fontRef idx="minor">
+            <a:schemeClr val="lt1"/>
+          </a:fontRef>
+        </p:style>
+        <p:txBody>
+          <a:bodyPr rtlCol="0" anchor="ctr"/>
+          <a:lstStyle/>
+          <a:p>
+            <a:pPr algn="ctr"/>
+            <a:endParaRPr lang="en-US"/>
+          </a:p>
+        </p:txBody>
+      </p:sp>
+      <p:sp>
+        <p:nvSpPr>
+          <p:cNvPr id="33" name="Rectangle 32"/>
+          <p:cNvSpPr/>
+          <p:nvPr/>
+        </p:nvSpPr>
+        <p:spPr>
+          <a:xfrm>
+            <a:off x="14468987" y="13260383"/>
+            <a:ext cx="293454" cy="2189018"/>
+          </a:xfrm>
+          <a:prstGeom prst="rect">
+            <a:avLst/>
+          </a:prstGeom>
+          <a:solidFill>
+            <a:schemeClr val="bg1"/>
+          </a:solidFill>
+          <a:ln>
+            <a:solidFill>
+              <a:schemeClr val="bg1"/>
+            </a:solidFill>
+          </a:ln>
+        </p:spPr>
+        <p:style>
+          <a:lnRef idx="2">
+            <a:schemeClr val="accent1">
+              <a:shade val="50000"/>
+            </a:schemeClr>
+          </a:lnRef>
+          <a:fillRef idx="1">
+            <a:schemeClr val="accent1"/>
+          </a:fillRef>
+          <a:effectRef idx="0">
+            <a:schemeClr val="accent1"/>
+          </a:effectRef>
+          <a:fontRef idx="minor">
+            <a:schemeClr val="lt1"/>
+          </a:fontRef>
+        </p:style>
+        <p:txBody>
+          <a:bodyPr rtlCol="0" anchor="ctr"/>
+          <a:lstStyle/>
+          <a:p>
+            <a:pPr algn="ctr"/>
+            <a:endParaRPr lang="en-US"/>
+          </a:p>
+        </p:txBody>
+      </p:sp>
+      <p:sp>
+        <p:nvSpPr>
+          <p:cNvPr id="34" name="Rectangle 33"/>
+          <p:cNvSpPr/>
+          <p:nvPr/>
+        </p:nvSpPr>
+        <p:spPr>
+          <a:xfrm>
+            <a:off x="7415346" y="13064440"/>
+            <a:ext cx="293454" cy="2189018"/>
+          </a:xfrm>
+          <a:prstGeom prst="rect">
+            <a:avLst/>
+          </a:prstGeom>
+          <a:solidFill>
+            <a:schemeClr val="bg1"/>
+          </a:solidFill>
+          <a:ln>
+            <a:solidFill>
+              <a:schemeClr val="bg1"/>
+            </a:solidFill>
+          </a:ln>
+        </p:spPr>
+        <p:style>
+          <a:lnRef idx="2">
+            <a:schemeClr val="accent1">
+              <a:shade val="50000"/>
+            </a:schemeClr>
+          </a:lnRef>
+          <a:fillRef idx="1">
+            <a:schemeClr val="accent1"/>
+          </a:fillRef>
+          <a:effectRef idx="0">
+            <a:schemeClr val="accent1"/>
+          </a:effectRef>
+          <a:fontRef idx="minor">
+            <a:schemeClr val="lt1"/>
+          </a:fontRef>
+        </p:style>
+        <p:txBody>
+          <a:bodyPr rtlCol="0" anchor="ctr"/>
+          <a:lstStyle/>
+          <a:p>
+            <a:pPr algn="ctr"/>
+            <a:endParaRPr lang="en-US"/>
+          </a:p>
+        </p:txBody>
+      </p:sp>
+      <p:sp>
+        <p:nvSpPr>
+          <p:cNvPr id="35" name="Rectangle 34"/>
+          <p:cNvSpPr/>
+          <p:nvPr/>
+        </p:nvSpPr>
+        <p:spPr>
+          <a:xfrm>
+            <a:off x="325451" y="13260383"/>
+            <a:ext cx="293454" cy="2189018"/>
+          </a:xfrm>
+          <a:prstGeom prst="rect">
+            <a:avLst/>
+          </a:prstGeom>
+          <a:solidFill>
+            <a:schemeClr val="bg1"/>
+          </a:solidFill>
+          <a:ln>
+            <a:solidFill>
+              <a:schemeClr val="bg1"/>
+            </a:solidFill>
+          </a:ln>
+        </p:spPr>
+        <p:style>
+          <a:lnRef idx="2">
+            <a:schemeClr val="accent1">
+              <a:shade val="50000"/>
+            </a:schemeClr>
+          </a:lnRef>
+          <a:fillRef idx="1">
+            <a:schemeClr val="accent1"/>
+          </a:fillRef>
+          <a:effectRef idx="0">
+            <a:schemeClr val="accent1"/>
+          </a:effectRef>
+          <a:fontRef idx="minor">
+            <a:schemeClr val="lt1"/>
+          </a:fontRef>
+        </p:style>
+        <p:txBody>
+          <a:bodyPr rtlCol="0" anchor="ctr"/>
+          <a:lstStyle/>
+          <a:p>
+            <a:pPr algn="ctr"/>
+            <a:endParaRPr lang="en-US"/>
+          </a:p>
+        </p:txBody>
+      </p:sp>
+      <p:sp>
+        <p:nvSpPr>
+          <p:cNvPr id="36" name="Rectangle 35"/>
+          <p:cNvSpPr/>
+          <p:nvPr/>
+        </p:nvSpPr>
+        <p:spPr>
+          <a:xfrm rot="16200000">
+            <a:off x="-3076816" y="11085577"/>
+            <a:ext cx="6899343" cy="501505"/>
+          </a:xfrm>
+          <a:prstGeom prst="rect">
+            <a:avLst/>
+          </a:prstGeom>
+          <a:solidFill>
+            <a:schemeClr val="bg1"/>
+          </a:solidFill>
+          <a:ln>
+            <a:solidFill>
+              <a:schemeClr val="bg1"/>
+            </a:solidFill>
+          </a:ln>
+        </p:spPr>
+        <p:style>
+          <a:lnRef idx="2">
+            <a:schemeClr val="accent1">
+              <a:shade val="50000"/>
+            </a:schemeClr>
+          </a:lnRef>
+          <a:fillRef idx="1">
+            <a:schemeClr val="accent1"/>
+          </a:fillRef>
+          <a:effectRef idx="0">
+            <a:schemeClr val="accent1"/>
+          </a:effectRef>
+          <a:fontRef idx="minor">
+            <a:schemeClr val="lt1"/>
+          </a:fontRef>
+        </p:style>
+        <p:txBody>
+          <a:bodyPr rtlCol="0" anchor="ctr"/>
+          <a:lstStyle/>
+          <a:p>
+            <a:pPr algn="ctr"/>
+            <a:r>
+              <a:rPr lang="en-US" sz="2800" b="1" dirty="0" smtClean="0">
+                <a:solidFill>
+                  <a:sysClr val="windowText" lastClr="000000"/>
+                </a:solidFill>
+              </a:rPr>
+              <a:t>Conductance (</a:t>
+            </a:r>
+            <a:r>
+              <a:rPr lang="en-US" sz="2800" b="1" dirty="0" err="1" smtClean="0">
+                <a:solidFill>
+                  <a:sysClr val="windowText" lastClr="000000"/>
+                </a:solidFill>
+              </a:rPr>
+              <a:t>nS</a:t>
+            </a:r>
+            <a:r>
+              <a:rPr lang="en-US" sz="2800" b="1" dirty="0" smtClean="0">
+                <a:solidFill>
+                  <a:sysClr val="windowText" lastClr="000000"/>
+                </a:solidFill>
+              </a:rPr>
+              <a:t>)</a:t>
+            </a:r>
+            <a:endParaRPr lang="en-US" sz="2800" b="1" dirty="0">
+              <a:solidFill>
+                <a:sysClr val="windowText" lastClr="000000"/>
+              </a:solidFill>
+            </a:endParaRPr>
+          </a:p>
+        </p:txBody>
+      </p:sp>
+      <p:sp>
+        <p:nvSpPr>
+          <p:cNvPr id="37" name="Rectangle 36"/>
+          <p:cNvSpPr/>
+          <p:nvPr/>
+        </p:nvSpPr>
+        <p:spPr>
+          <a:xfrm>
+            <a:off x="24666118" y="5491839"/>
+            <a:ext cx="974333" cy="238401"/>
+          </a:xfrm>
+          <a:prstGeom prst="rect">
+            <a:avLst/>
+          </a:prstGeom>
+          <a:solidFill>
+            <a:schemeClr val="bg1"/>
+          </a:solidFill>
+          <a:ln>
+            <a:solidFill>
+              <a:schemeClr val="bg1"/>
+            </a:solidFill>
+          </a:ln>
+        </p:spPr>
+        <p:style>
+          <a:lnRef idx="2">
+            <a:schemeClr val="accent1">
+              <a:shade val="50000"/>
+            </a:schemeClr>
+          </a:lnRef>
+          <a:fillRef idx="1">
+            <a:schemeClr val="accent1"/>
+          </a:fillRef>
+          <a:effectRef idx="0">
+            <a:schemeClr val="accent1"/>
+          </a:effectRef>
+          <a:fontRef idx="minor">
+            <a:schemeClr val="lt1"/>
+          </a:fontRef>
+        </p:style>
+        <p:txBody>
+          <a:bodyPr rtlCol="0" anchor="ctr"/>
+          <a:lstStyle/>
+          <a:p>
+            <a:pPr algn="ctr"/>
+            <a:endParaRPr lang="en-US"/>
+          </a:p>
+        </p:txBody>
+      </p:sp>
+      <p:sp>
+        <p:nvSpPr>
+          <p:cNvPr id="38" name="Rectangle 37"/>
+          <p:cNvSpPr/>
+          <p:nvPr/>
+        </p:nvSpPr>
+        <p:spPr>
+          <a:xfrm>
+            <a:off x="24562491" y="11180236"/>
+            <a:ext cx="974333" cy="238401"/>
+          </a:xfrm>
+          <a:prstGeom prst="rect">
+            <a:avLst/>
+          </a:prstGeom>
+          <a:solidFill>
+            <a:schemeClr val="bg1"/>
+          </a:solidFill>
+          <a:ln>
+            <a:solidFill>
+              <a:schemeClr val="bg1"/>
+            </a:solidFill>
+          </a:ln>
+        </p:spPr>
+        <p:style>
+          <a:lnRef idx="2">
+            <a:schemeClr val="accent1">
+              <a:shade val="50000"/>
+            </a:schemeClr>
+          </a:lnRef>
+          <a:fillRef idx="1">
+            <a:schemeClr val="accent1"/>
+          </a:fillRef>
+          <a:effectRef idx="0">
+            <a:schemeClr val="accent1"/>
+          </a:effectRef>
+          <a:fontRef idx="minor">
+            <a:schemeClr val="lt1"/>
+          </a:fontRef>
+        </p:style>
+        <p:txBody>
+          <a:bodyPr rtlCol="0" anchor="ctr"/>
+          <a:lstStyle/>
+          <a:p>
+            <a:pPr algn="ctr"/>
+            <a:endParaRPr lang="en-US"/>
+          </a:p>
+        </p:txBody>
+      </p:sp>
+      <p:sp>
+        <p:nvSpPr>
+          <p:cNvPr id="39" name="Rectangle 38"/>
+          <p:cNvSpPr/>
+          <p:nvPr/>
+        </p:nvSpPr>
+        <p:spPr>
+          <a:xfrm>
+            <a:off x="17668930" y="11183265"/>
+            <a:ext cx="974333" cy="238401"/>
+          </a:xfrm>
+          <a:prstGeom prst="rect">
+            <a:avLst/>
+          </a:prstGeom>
+          <a:solidFill>
+            <a:schemeClr val="bg1"/>
+          </a:solidFill>
+          <a:ln>
+            <a:solidFill>
+              <a:schemeClr val="bg1"/>
+            </a:solidFill>
+          </a:ln>
+        </p:spPr>
+        <p:style>
+          <a:lnRef idx="2">
+            <a:schemeClr val="accent1">
+              <a:shade val="50000"/>
+            </a:schemeClr>
+          </a:lnRef>
+          <a:fillRef idx="1">
+            <a:schemeClr val="accent1"/>
+          </a:fillRef>
+          <a:effectRef idx="0">
+            <a:schemeClr val="accent1"/>
+          </a:effectRef>
+          <a:fontRef idx="minor">
+            <a:schemeClr val="lt1"/>
+          </a:fontRef>
+        </p:style>
+        <p:txBody>
+          <a:bodyPr rtlCol="0" anchor="ctr"/>
+          <a:lstStyle/>
+          <a:p>
+            <a:pPr algn="ctr"/>
+            <a:endParaRPr lang="en-US"/>
+          </a:p>
+        </p:txBody>
+      </p:sp>
+      <p:sp>
+        <p:nvSpPr>
+          <p:cNvPr id="40" name="Rectangle 39"/>
+          <p:cNvSpPr/>
+          <p:nvPr/>
+        </p:nvSpPr>
+        <p:spPr>
+          <a:xfrm>
+            <a:off x="10572815" y="11217130"/>
+            <a:ext cx="974333" cy="238401"/>
+          </a:xfrm>
+          <a:prstGeom prst="rect">
+            <a:avLst/>
+          </a:prstGeom>
+          <a:solidFill>
+            <a:schemeClr val="bg1"/>
+          </a:solidFill>
+          <a:ln>
+            <a:solidFill>
+              <a:schemeClr val="bg1"/>
+            </a:solidFill>
+          </a:ln>
+        </p:spPr>
+        <p:style>
+          <a:lnRef idx="2">
+            <a:schemeClr val="accent1">
+              <a:shade val="50000"/>
+            </a:schemeClr>
+          </a:lnRef>
+          <a:fillRef idx="1">
+            <a:schemeClr val="accent1"/>
+          </a:fillRef>
+          <a:effectRef idx="0">
+            <a:schemeClr val="accent1"/>
+          </a:effectRef>
+          <a:fontRef idx="minor">
+            <a:schemeClr val="lt1"/>
+          </a:fontRef>
+        </p:style>
+        <p:txBody>
+          <a:bodyPr rtlCol="0" anchor="ctr"/>
+          <a:lstStyle/>
+          <a:p>
+            <a:pPr algn="ctr"/>
+            <a:endParaRPr lang="en-US"/>
+          </a:p>
+        </p:txBody>
+      </p:sp>
+      <p:sp>
+        <p:nvSpPr>
+          <p:cNvPr id="41" name="Rectangle 40"/>
+          <p:cNvSpPr/>
+          <p:nvPr/>
+        </p:nvSpPr>
+        <p:spPr>
+          <a:xfrm>
+            <a:off x="24681022" y="16748953"/>
+            <a:ext cx="974333" cy="238401"/>
+          </a:xfrm>
+          <a:prstGeom prst="rect">
+            <a:avLst/>
+          </a:prstGeom>
+          <a:solidFill>
+            <a:schemeClr val="bg1"/>
+          </a:solidFill>
+          <a:ln>
+            <a:solidFill>
+              <a:schemeClr val="bg1"/>
+            </a:solidFill>
+          </a:ln>
+        </p:spPr>
+        <p:style>
+          <a:lnRef idx="2">
+            <a:schemeClr val="accent1">
+              <a:shade val="50000"/>
+            </a:schemeClr>
+          </a:lnRef>
+          <a:fillRef idx="1">
+            <a:schemeClr val="accent1"/>
+          </a:fillRef>
+          <a:effectRef idx="0">
+            <a:schemeClr val="accent1"/>
+          </a:effectRef>
+          <a:fontRef idx="minor">
+            <a:schemeClr val="lt1"/>
+          </a:fontRef>
+        </p:style>
+        <p:txBody>
+          <a:bodyPr rtlCol="0" anchor="ctr"/>
+          <a:lstStyle/>
+          <a:p>
+            <a:pPr algn="ctr"/>
+            <a:endParaRPr lang="en-US"/>
+          </a:p>
+        </p:txBody>
+      </p:sp>
+      <p:sp>
+        <p:nvSpPr>
+          <p:cNvPr id="42" name="Rectangle 41"/>
+          <p:cNvSpPr/>
+          <p:nvPr/>
+        </p:nvSpPr>
+        <p:spPr>
+          <a:xfrm>
+            <a:off x="24681944" y="22309668"/>
+            <a:ext cx="974333" cy="238401"/>
+          </a:xfrm>
+          <a:prstGeom prst="rect">
+            <a:avLst/>
+          </a:prstGeom>
+          <a:solidFill>
+            <a:schemeClr val="bg1"/>
+          </a:solidFill>
+          <a:ln>
+            <a:solidFill>
+              <a:schemeClr val="bg1"/>
+            </a:solidFill>
+          </a:ln>
+        </p:spPr>
+        <p:style>
+          <a:lnRef idx="2">
+            <a:schemeClr val="accent1">
+              <a:shade val="50000"/>
+            </a:schemeClr>
+          </a:lnRef>
+          <a:fillRef idx="1">
+            <a:schemeClr val="accent1"/>
+          </a:fillRef>
+          <a:effectRef idx="0">
+            <a:schemeClr val="accent1"/>
+          </a:effectRef>
+          <a:fontRef idx="minor">
+            <a:schemeClr val="lt1"/>
+          </a:fontRef>
+        </p:style>
+        <p:txBody>
+          <a:bodyPr rtlCol="0" anchor="ctr"/>
+          <a:lstStyle/>
+          <a:p>
+            <a:pPr algn="ctr"/>
+            <a:endParaRPr lang="en-US"/>
+          </a:p>
+        </p:txBody>
+      </p:sp>
+      <p:sp>
+        <p:nvSpPr>
+          <p:cNvPr id="43" name="Rectangle 42"/>
+          <p:cNvSpPr/>
+          <p:nvPr/>
+        </p:nvSpPr>
+        <p:spPr>
+          <a:xfrm>
+            <a:off x="17651996" y="16748951"/>
+            <a:ext cx="974333" cy="238401"/>
+          </a:xfrm>
+          <a:prstGeom prst="rect">
+            <a:avLst/>
+          </a:prstGeom>
+          <a:solidFill>
+            <a:schemeClr val="bg1"/>
+          </a:solidFill>
+          <a:ln>
+            <a:solidFill>
+              <a:schemeClr val="bg1"/>
+            </a:solidFill>
+          </a:ln>
+        </p:spPr>
+        <p:style>
+          <a:lnRef idx="2">
+            <a:schemeClr val="accent1">
+              <a:shade val="50000"/>
+            </a:schemeClr>
+          </a:lnRef>
+          <a:fillRef idx="1">
+            <a:schemeClr val="accent1"/>
+          </a:fillRef>
+          <a:effectRef idx="0">
+            <a:schemeClr val="accent1"/>
+          </a:effectRef>
+          <a:fontRef idx="minor">
+            <a:schemeClr val="lt1"/>
+          </a:fontRef>
+        </p:style>
+        <p:txBody>
+          <a:bodyPr rtlCol="0" anchor="ctr"/>
+          <a:lstStyle/>
+          <a:p>
+            <a:pPr algn="ctr"/>
+            <a:endParaRPr lang="en-US"/>
+          </a:p>
+        </p:txBody>
+      </p:sp>
+      <p:sp>
+        <p:nvSpPr>
+          <p:cNvPr id="44" name="Rectangle 43"/>
+          <p:cNvSpPr/>
+          <p:nvPr/>
+        </p:nvSpPr>
+        <p:spPr>
+          <a:xfrm>
+            <a:off x="10563679" y="16730683"/>
+            <a:ext cx="974333" cy="238401"/>
+          </a:xfrm>
+          <a:prstGeom prst="rect">
+            <a:avLst/>
+          </a:prstGeom>
+          <a:solidFill>
+            <a:schemeClr val="bg1"/>
+          </a:solidFill>
+          <a:ln>
+            <a:solidFill>
+              <a:schemeClr val="bg1"/>
+            </a:solidFill>
+          </a:ln>
+        </p:spPr>
+        <p:style>
+          <a:lnRef idx="2">
+            <a:schemeClr val="accent1">
+              <a:shade val="50000"/>
+            </a:schemeClr>
+          </a:lnRef>
+          <a:fillRef idx="1">
+            <a:schemeClr val="accent1"/>
+          </a:fillRef>
+          <a:effectRef idx="0">
+            <a:schemeClr val="accent1"/>
+          </a:effectRef>
+          <a:fontRef idx="minor">
+            <a:schemeClr val="lt1"/>
+          </a:fontRef>
+        </p:style>
+        <p:txBody>
+          <a:bodyPr rtlCol="0" anchor="ctr"/>
+          <a:lstStyle/>
+          <a:p>
+            <a:pPr algn="ctr"/>
+            <a:endParaRPr lang="en-US"/>
+          </a:p>
+        </p:txBody>
+      </p:sp>
+      <p:sp>
+        <p:nvSpPr>
+          <p:cNvPr id="45" name="Rectangle 44"/>
+          <p:cNvSpPr/>
+          <p:nvPr/>
+        </p:nvSpPr>
+        <p:spPr>
+          <a:xfrm>
+            <a:off x="17550398" y="22299517"/>
+            <a:ext cx="974333" cy="238401"/>
+          </a:xfrm>
+          <a:prstGeom prst="rect">
+            <a:avLst/>
+          </a:prstGeom>
+          <a:solidFill>
+            <a:schemeClr val="bg1"/>
+          </a:solidFill>
+          <a:ln>
+            <a:solidFill>
+              <a:schemeClr val="bg1"/>
+            </a:solidFill>
+          </a:ln>
+        </p:spPr>
+        <p:style>
+          <a:lnRef idx="2">
+            <a:schemeClr val="accent1">
+              <a:shade val="50000"/>
+            </a:schemeClr>
+          </a:lnRef>
+          <a:fillRef idx="1">
+            <a:schemeClr val="accent1"/>
+          </a:fillRef>
+          <a:effectRef idx="0">
+            <a:schemeClr val="accent1"/>
+          </a:effectRef>
+          <a:fontRef idx="minor">
+            <a:schemeClr val="lt1"/>
+          </a:fontRef>
+        </p:style>
+        <p:txBody>
+          <a:bodyPr rtlCol="0" anchor="ctr"/>
+          <a:lstStyle/>
+          <a:p>
+            <a:pPr algn="ctr"/>
+            <a:endParaRPr lang="en-US"/>
+          </a:p>
+        </p:txBody>
+      </p:sp>
+      <p:sp>
+        <p:nvSpPr>
+          <p:cNvPr id="46" name="Rectangle 45"/>
+          <p:cNvSpPr/>
+          <p:nvPr/>
+        </p:nvSpPr>
+        <p:spPr>
+          <a:xfrm>
+            <a:off x="10603880" y="22323900"/>
+            <a:ext cx="974333" cy="238401"/>
+          </a:xfrm>
+          <a:prstGeom prst="rect">
+            <a:avLst/>
+          </a:prstGeom>
+          <a:solidFill>
+            <a:schemeClr val="bg1"/>
+          </a:solidFill>
+          <a:ln>
+            <a:solidFill>
+              <a:schemeClr val="bg1"/>
+            </a:solidFill>
+          </a:ln>
+        </p:spPr>
+        <p:style>
+          <a:lnRef idx="2">
+            <a:schemeClr val="accent1">
+              <a:shade val="50000"/>
+            </a:schemeClr>
+          </a:lnRef>
+          <a:fillRef idx="1">
+            <a:schemeClr val="accent1"/>
+          </a:fillRef>
+          <a:effectRef idx="0">
+            <a:schemeClr val="accent1"/>
+          </a:effectRef>
+          <a:fontRef idx="minor">
+            <a:schemeClr val="lt1"/>
+          </a:fontRef>
+        </p:style>
+        <p:txBody>
+          <a:bodyPr rtlCol="0" anchor="ctr"/>
+          <a:lstStyle/>
+          <a:p>
+            <a:pPr algn="ctr"/>
+            <a:endParaRPr lang="en-US"/>
+          </a:p>
+        </p:txBody>
+      </p:sp>
+      <p:sp>
+        <p:nvSpPr>
+          <p:cNvPr id="47" name="Rectangle 46"/>
+          <p:cNvSpPr/>
+          <p:nvPr/>
+        </p:nvSpPr>
+        <p:spPr>
+          <a:xfrm>
+            <a:off x="3570895" y="16744717"/>
+            <a:ext cx="974333" cy="238401"/>
+          </a:xfrm>
+          <a:prstGeom prst="rect">
+            <a:avLst/>
+          </a:prstGeom>
+          <a:solidFill>
+            <a:schemeClr val="bg1"/>
+          </a:solidFill>
+          <a:ln>
+            <a:solidFill>
+              <a:schemeClr val="bg1"/>
+            </a:solidFill>
+          </a:ln>
+        </p:spPr>
+        <p:style>
+          <a:lnRef idx="2">
+            <a:schemeClr val="accent1">
+              <a:shade val="50000"/>
+            </a:schemeClr>
+          </a:lnRef>
+          <a:fillRef idx="1">
+            <a:schemeClr val="accent1"/>
+          </a:fillRef>
+          <a:effectRef idx="0">
+            <a:schemeClr val="accent1"/>
+          </a:effectRef>
+          <a:fontRef idx="minor">
+            <a:schemeClr val="lt1"/>
+          </a:fontRef>
+        </p:style>
+        <p:txBody>
+          <a:bodyPr rtlCol="0" anchor="ctr"/>
+          <a:lstStyle/>
+          <a:p>
+            <a:pPr algn="ctr"/>
+            <a:endParaRPr lang="en-US"/>
+          </a:p>
+        </p:txBody>
+      </p:sp>
+      <p:sp>
+        <p:nvSpPr>
+          <p:cNvPr id="48" name="Rectangle 47"/>
+          <p:cNvSpPr/>
+          <p:nvPr/>
+        </p:nvSpPr>
+        <p:spPr>
+          <a:xfrm>
+            <a:off x="3570894" y="22323900"/>
+            <a:ext cx="974333" cy="238401"/>
+          </a:xfrm>
+          <a:prstGeom prst="rect">
+            <a:avLst/>
+          </a:prstGeom>
+          <a:solidFill>
+            <a:schemeClr val="bg1"/>
+          </a:solidFill>
+          <a:ln>
+            <a:solidFill>
+              <a:schemeClr val="bg1"/>
+            </a:solidFill>
+          </a:ln>
+        </p:spPr>
+        <p:style>
+          <a:lnRef idx="2">
+            <a:schemeClr val="accent1">
+              <a:shade val="50000"/>
+            </a:schemeClr>
+          </a:lnRef>
+          <a:fillRef idx="1">
+            <a:schemeClr val="accent1"/>
+          </a:fillRef>
+          <a:effectRef idx="0">
+            <a:schemeClr val="accent1"/>
+          </a:effectRef>
+          <a:fontRef idx="minor">
+            <a:schemeClr val="lt1"/>
+          </a:fontRef>
+        </p:style>
+        <p:txBody>
+          <a:bodyPr rtlCol="0" anchor="ctr"/>
+          <a:lstStyle/>
+          <a:p>
+            <a:pPr algn="ctr"/>
+            <a:endParaRPr lang="en-US"/>
+          </a:p>
+        </p:txBody>
+      </p:sp>
+      <p:sp>
+        <p:nvSpPr>
+          <p:cNvPr id="49" name="Rectangle 48"/>
+          <p:cNvSpPr/>
+          <p:nvPr/>
+        </p:nvSpPr>
+        <p:spPr>
+          <a:xfrm>
+            <a:off x="12278625" y="22362000"/>
+            <a:ext cx="4603718" cy="563088"/>
+          </a:xfrm>
+          <a:prstGeom prst="rect">
+            <a:avLst/>
+          </a:prstGeom>
+          <a:solidFill>
+            <a:schemeClr val="bg1"/>
+          </a:solidFill>
+          <a:ln>
+            <a:solidFill>
+              <a:schemeClr val="bg1"/>
+            </a:solidFill>
+          </a:ln>
+        </p:spPr>
+        <p:style>
+          <a:lnRef idx="2">
+            <a:schemeClr val="accent1">
+              <a:shade val="50000"/>
+            </a:schemeClr>
+          </a:lnRef>
+          <a:fillRef idx="1">
+            <a:schemeClr val="accent1"/>
+          </a:fillRef>
+          <a:effectRef idx="0">
+            <a:schemeClr val="accent1"/>
+          </a:effectRef>
+          <a:fontRef idx="minor">
+            <a:schemeClr val="lt1"/>
+          </a:fontRef>
+        </p:style>
+        <p:txBody>
+          <a:bodyPr rtlCol="0" anchor="ctr"/>
+          <a:lstStyle/>
+          <a:p>
+            <a:pPr algn="ctr"/>
+            <a:r>
+              <a:rPr lang="en-US" sz="2800" b="1" dirty="0" smtClean="0">
+                <a:solidFill>
+                  <a:sysClr val="windowText" lastClr="000000"/>
+                </a:solidFill>
+              </a:rPr>
+              <a:t>Time (</a:t>
+            </a:r>
+            <a:r>
+              <a:rPr lang="en-US" sz="2800" b="1" dirty="0" err="1" smtClean="0">
+                <a:solidFill>
+                  <a:sysClr val="windowText" lastClr="000000"/>
+                </a:solidFill>
+              </a:rPr>
+              <a:t>ms</a:t>
+            </a:r>
+            <a:r>
+              <a:rPr lang="en-US" sz="2800" b="1" dirty="0" smtClean="0">
+                <a:solidFill>
+                  <a:sysClr val="windowText" lastClr="000000"/>
+                </a:solidFill>
+              </a:rPr>
+              <a:t>)</a:t>
+            </a:r>
+            <a:endParaRPr lang="en-US" sz="2800" b="1" dirty="0">
+              <a:solidFill>
+                <a:sysClr val="windowText" lastClr="000000"/>
+              </a:solidFill>
+            </a:endParaRPr>
+          </a:p>
+        </p:txBody>
+      </p:sp>
+      <p:sp>
+        <p:nvSpPr>
+          <p:cNvPr id="50" name="Rectangle 49"/>
+          <p:cNvSpPr/>
+          <p:nvPr/>
+        </p:nvSpPr>
+        <p:spPr>
+          <a:xfrm>
+            <a:off x="21520858" y="18652440"/>
+            <a:ext cx="293454" cy="2189018"/>
+          </a:xfrm>
+          <a:prstGeom prst="rect">
+            <a:avLst/>
+          </a:prstGeom>
+          <a:solidFill>
+            <a:schemeClr val="bg1"/>
+          </a:solidFill>
+          <a:ln>
+            <a:solidFill>
+              <a:schemeClr val="bg1"/>
+            </a:solidFill>
+          </a:ln>
+        </p:spPr>
+        <p:style>
+          <a:lnRef idx="2">
+            <a:schemeClr val="accent1">
+              <a:shade val="50000"/>
+            </a:schemeClr>
+          </a:lnRef>
+          <a:fillRef idx="1">
+            <a:schemeClr val="accent1"/>
+          </a:fillRef>
+          <a:effectRef idx="0">
+            <a:schemeClr val="accent1"/>
+          </a:effectRef>
+          <a:fontRef idx="minor">
+            <a:schemeClr val="lt1"/>
+          </a:fontRef>
+        </p:style>
+        <p:txBody>
+          <a:bodyPr rtlCol="0" anchor="ctr"/>
+          <a:lstStyle/>
+          <a:p>
+            <a:pPr algn="ctr"/>
+            <a:endParaRPr lang="en-US"/>
+          </a:p>
+        </p:txBody>
+      </p:sp>
+      <p:sp>
+        <p:nvSpPr>
+          <p:cNvPr id="51" name="Rectangle 50"/>
+          <p:cNvSpPr/>
+          <p:nvPr/>
+        </p:nvSpPr>
+        <p:spPr>
+          <a:xfrm>
+            <a:off x="14457193" y="18652440"/>
+            <a:ext cx="293454" cy="2189018"/>
+          </a:xfrm>
+          <a:prstGeom prst="rect">
+            <a:avLst/>
+          </a:prstGeom>
+          <a:solidFill>
+            <a:schemeClr val="bg1"/>
+          </a:solidFill>
+          <a:ln>
+            <a:solidFill>
+              <a:schemeClr val="bg1"/>
+            </a:solidFill>
+          </a:ln>
+        </p:spPr>
+        <p:style>
+          <a:lnRef idx="2">
+            <a:schemeClr val="accent1">
+              <a:shade val="50000"/>
+            </a:schemeClr>
+          </a:lnRef>
+          <a:fillRef idx="1">
+            <a:schemeClr val="accent1"/>
+          </a:fillRef>
+          <a:effectRef idx="0">
+            <a:schemeClr val="accent1"/>
+          </a:effectRef>
+          <a:fontRef idx="minor">
+            <a:schemeClr val="lt1"/>
+          </a:fontRef>
+        </p:style>
+        <p:txBody>
+          <a:bodyPr rtlCol="0" anchor="ctr"/>
+          <a:lstStyle/>
+          <a:p>
+            <a:pPr algn="ctr"/>
+            <a:endParaRPr lang="en-US"/>
+          </a:p>
+        </p:txBody>
+      </p:sp>
+      <p:sp>
+        <p:nvSpPr>
+          <p:cNvPr id="52" name="Rectangle 51"/>
+          <p:cNvSpPr/>
+          <p:nvPr/>
+        </p:nvSpPr>
+        <p:spPr>
+          <a:xfrm>
+            <a:off x="7407687" y="18652440"/>
+            <a:ext cx="293454" cy="2189018"/>
+          </a:xfrm>
+          <a:prstGeom prst="rect">
+            <a:avLst/>
+          </a:prstGeom>
+          <a:solidFill>
+            <a:schemeClr val="bg1"/>
+          </a:solidFill>
+          <a:ln>
+            <a:solidFill>
+              <a:schemeClr val="bg1"/>
+            </a:solidFill>
+          </a:ln>
+        </p:spPr>
+        <p:style>
+          <a:lnRef idx="2">
+            <a:schemeClr val="accent1">
+              <a:shade val="50000"/>
+            </a:schemeClr>
+          </a:lnRef>
+          <a:fillRef idx="1">
+            <a:schemeClr val="accent1"/>
+          </a:fillRef>
+          <a:effectRef idx="0">
+            <a:schemeClr val="accent1"/>
+          </a:effectRef>
+          <a:fontRef idx="minor">
+            <a:schemeClr val="lt1"/>
+          </a:fontRef>
+        </p:style>
+        <p:txBody>
+          <a:bodyPr rtlCol="0" anchor="ctr"/>
+          <a:lstStyle/>
+          <a:p>
+            <a:pPr algn="ctr"/>
+            <a:endParaRPr lang="en-US"/>
+          </a:p>
+        </p:txBody>
+      </p:sp>
+      <p:sp>
+        <p:nvSpPr>
+          <p:cNvPr id="53" name="Rectangle 52"/>
+          <p:cNvSpPr/>
+          <p:nvPr/>
+        </p:nvSpPr>
+        <p:spPr>
+          <a:xfrm>
+            <a:off x="335095" y="18652440"/>
+            <a:ext cx="293454" cy="2189018"/>
+          </a:xfrm>
+          <a:prstGeom prst="rect">
+            <a:avLst/>
+          </a:prstGeom>
+          <a:solidFill>
+            <a:schemeClr val="bg1"/>
+          </a:solidFill>
+          <a:ln>
+            <a:solidFill>
+              <a:schemeClr val="bg1"/>
+            </a:solidFill>
+          </a:ln>
+        </p:spPr>
+        <p:style>
+          <a:lnRef idx="2">
+            <a:schemeClr val="accent1">
+              <a:shade val="50000"/>
+            </a:schemeClr>
+          </a:lnRef>
+          <a:fillRef idx="1">
+            <a:schemeClr val="accent1"/>
+          </a:fillRef>
+          <a:effectRef idx="0">
+            <a:schemeClr val="accent1"/>
+          </a:effectRef>
+          <a:fontRef idx="minor">
+            <a:schemeClr val="lt1"/>
+          </a:fontRef>
+        </p:style>
+        <p:txBody>
+          <a:bodyPr rtlCol="0" anchor="ctr"/>
+          <a:lstStyle/>
+          <a:p>
+            <a:pPr algn="ctr"/>
+            <a:endParaRPr lang="en-US"/>
+          </a:p>
+        </p:txBody>
+      </p:sp>
     </p:spTree>
     <p:extLst>
       <p:ext uri="{BB962C8B-B14F-4D97-AF65-F5344CB8AC3E}">

--- a/HighCondRepresentativeModelTests/HighCondModels_PSCCurrents/Plots/SDprox2RepresentativeConductance.pptx
+++ b/HighCondRepresentativeModelTests/HighCondModels_PSCCurrents/Plots/SDprox2RepresentativeConductance.pptx
@@ -106,7 +106,18 @@
   </p:defaultTextStyle>
   <p:extLst>
     <p:ext uri="{EFAFB233-063F-42B5-8137-9DF3F51BA10A}">
-      <p15:sldGuideLst xmlns:p15="http://schemas.microsoft.com/office/powerpoint/2012/main"/>
+      <p15:sldGuideLst xmlns:p15="http://schemas.microsoft.com/office/powerpoint/2012/main">
+        <p15:guide id="1" orient="horz" pos="7256">
+          <p15:clr>
+            <a:srgbClr val="A4A3A4"/>
+          </p15:clr>
+        </p15:guide>
+        <p15:guide id="2" pos="9071">
+          <p15:clr>
+            <a:srgbClr val="A4A3A4"/>
+          </p15:clr>
+        </p15:guide>
+      </p15:sldGuideLst>
     </p:ext>
   </p:extLst>
 </p:presentation>
@@ -243,7 +254,7 @@
           <a:p>
             <a:fld id="{13B4EEC1-59A0-6147-A616-EE74AE21FFF0}" type="datetimeFigureOut">
               <a:rPr lang="en-US" smtClean="0"/>
-              <a:t>10/16/17</a:t>
+              <a:t>5/15/18</a:t>
             </a:fld>
             <a:endParaRPr lang="en-US"/>
           </a:p>
@@ -408,7 +419,7 @@
           <a:p>
             <a:fld id="{13B4EEC1-59A0-6147-A616-EE74AE21FFF0}" type="datetimeFigureOut">
               <a:rPr lang="en-US" smtClean="0"/>
-              <a:t>10/16/17</a:t>
+              <a:t>5/15/18</a:t>
             </a:fld>
             <a:endParaRPr lang="en-US"/>
           </a:p>
@@ -583,7 +594,7 @@
           <a:p>
             <a:fld id="{13B4EEC1-59A0-6147-A616-EE74AE21FFF0}" type="datetimeFigureOut">
               <a:rPr lang="en-US" smtClean="0"/>
-              <a:t>10/16/17</a:t>
+              <a:t>5/15/18</a:t>
             </a:fld>
             <a:endParaRPr lang="en-US"/>
           </a:p>
@@ -748,7 +759,7 @@
           <a:p>
             <a:fld id="{13B4EEC1-59A0-6147-A616-EE74AE21FFF0}" type="datetimeFigureOut">
               <a:rPr lang="en-US" smtClean="0"/>
-              <a:t>10/16/17</a:t>
+              <a:t>5/15/18</a:t>
             </a:fld>
             <a:endParaRPr lang="en-US"/>
           </a:p>
@@ -987,7 +998,7 @@
           <a:p>
             <a:fld id="{13B4EEC1-59A0-6147-A616-EE74AE21FFF0}" type="datetimeFigureOut">
               <a:rPr lang="en-US" smtClean="0"/>
-              <a:t>10/16/17</a:t>
+              <a:t>5/15/18</a:t>
             </a:fld>
             <a:endParaRPr lang="en-US"/>
           </a:p>
@@ -1214,7 +1225,7 @@
           <a:p>
             <a:fld id="{13B4EEC1-59A0-6147-A616-EE74AE21FFF0}" type="datetimeFigureOut">
               <a:rPr lang="en-US" smtClean="0"/>
-              <a:t>10/16/17</a:t>
+              <a:t>5/15/18</a:t>
             </a:fld>
             <a:endParaRPr lang="en-US"/>
           </a:p>
@@ -1576,7 +1587,7 @@
           <a:p>
             <a:fld id="{13B4EEC1-59A0-6147-A616-EE74AE21FFF0}" type="datetimeFigureOut">
               <a:rPr lang="en-US" smtClean="0"/>
-              <a:t>10/16/17</a:t>
+              <a:t>5/15/18</a:t>
             </a:fld>
             <a:endParaRPr lang="en-US"/>
           </a:p>
@@ -1689,7 +1700,7 @@
           <a:p>
             <a:fld id="{13B4EEC1-59A0-6147-A616-EE74AE21FFF0}" type="datetimeFigureOut">
               <a:rPr lang="en-US" smtClean="0"/>
-              <a:t>10/16/17</a:t>
+              <a:t>5/15/18</a:t>
             </a:fld>
             <a:endParaRPr lang="en-US"/>
           </a:p>
@@ -1779,7 +1790,7 @@
           <a:p>
             <a:fld id="{13B4EEC1-59A0-6147-A616-EE74AE21FFF0}" type="datetimeFigureOut">
               <a:rPr lang="en-US" smtClean="0"/>
-              <a:t>10/16/17</a:t>
+              <a:t>5/15/18</a:t>
             </a:fld>
             <a:endParaRPr lang="en-US"/>
           </a:p>
@@ -2051,7 +2062,7 @@
           <a:p>
             <a:fld id="{13B4EEC1-59A0-6147-A616-EE74AE21FFF0}" type="datetimeFigureOut">
               <a:rPr lang="en-US" smtClean="0"/>
-              <a:t>10/16/17</a:t>
+              <a:t>5/15/18</a:t>
             </a:fld>
             <a:endParaRPr lang="en-US"/>
           </a:p>
@@ -2303,7 +2314,7 @@
           <a:p>
             <a:fld id="{13B4EEC1-59A0-6147-A616-EE74AE21FFF0}" type="datetimeFigureOut">
               <a:rPr lang="en-US" smtClean="0"/>
-              <a:t>10/16/17</a:t>
+              <a:t>5/15/18</a:t>
             </a:fld>
             <a:endParaRPr lang="en-US"/>
           </a:p>
@@ -2511,7 +2522,7 @@
           <a:p>
             <a:fld id="{13B4EEC1-59A0-6147-A616-EE74AE21FFF0}" type="datetimeFigureOut">
               <a:rPr lang="en-US" smtClean="0"/>
-              <a:t>10/16/17</a:t>
+              <a:t>5/15/18</a:t>
             </a:fld>
             <a:endParaRPr lang="en-US"/>
           </a:p>
@@ -3172,7 +3183,7 @@
       </p:sp>
       <p:pic>
         <p:nvPicPr>
-          <p:cNvPr id="12" name="Picture 11"/>
+          <p:cNvPr id="2" name="Picture 1"/>
           <p:cNvPicPr>
             <a:picLocks noChangeAspect="1"/>
           </p:cNvPicPr>
@@ -3192,8 +3203,8 @@
         </p:blipFill>
         <p:spPr>
           <a:xfrm>
-            <a:off x="325451" y="17392687"/>
-            <a:ext cx="7084222" cy="5244008"/>
+            <a:off x="325451" y="17323528"/>
+            <a:ext cx="7084223" cy="5313167"/>
           </a:xfrm>
           <a:prstGeom prst="rect">
             <a:avLst/>
@@ -3202,7 +3213,7 @@
       </p:pic>
       <p:pic>
         <p:nvPicPr>
-          <p:cNvPr id="13" name="Picture 12"/>
+          <p:cNvPr id="3" name="Picture 2"/>
           <p:cNvPicPr>
             <a:picLocks noChangeAspect="1"/>
           </p:cNvPicPr>
@@ -3222,8 +3233,8 @@
         </p:blipFill>
         <p:spPr>
           <a:xfrm>
-            <a:off x="325451" y="11811076"/>
-            <a:ext cx="7084222" cy="5244008"/>
+            <a:off x="297016" y="11745197"/>
+            <a:ext cx="7112655" cy="5334491"/>
           </a:xfrm>
           <a:prstGeom prst="rect">
             <a:avLst/>
@@ -3232,7 +3243,7 @@
       </p:pic>
       <p:pic>
         <p:nvPicPr>
-          <p:cNvPr id="14" name="Picture 13"/>
+          <p:cNvPr id="4" name="Picture 3"/>
           <p:cNvPicPr>
             <a:picLocks noChangeAspect="1"/>
           </p:cNvPicPr>
@@ -3252,8 +3263,8 @@
         </p:blipFill>
         <p:spPr>
           <a:xfrm>
-            <a:off x="7409673" y="17392687"/>
-            <a:ext cx="7084222" cy="5244008"/>
+            <a:off x="7412452" y="17323528"/>
+            <a:ext cx="7084223" cy="5313167"/>
           </a:xfrm>
           <a:prstGeom prst="rect">
             <a:avLst/>
@@ -3262,7 +3273,7 @@
       </p:pic>
       <p:pic>
         <p:nvPicPr>
-          <p:cNvPr id="15" name="Picture 14"/>
+          <p:cNvPr id="5" name="Picture 4"/>
           <p:cNvPicPr>
             <a:picLocks noChangeAspect="1"/>
           </p:cNvPicPr>
@@ -3282,8 +3293,8 @@
         </p:blipFill>
         <p:spPr>
           <a:xfrm>
-            <a:off x="7409673" y="11811076"/>
-            <a:ext cx="6927864" cy="5244008"/>
+            <a:off x="7409671" y="11745197"/>
+            <a:ext cx="7106836" cy="5330127"/>
           </a:xfrm>
           <a:prstGeom prst="rect">
             <a:avLst/>
@@ -3292,7 +3303,7 @@
       </p:pic>
       <p:pic>
         <p:nvPicPr>
-          <p:cNvPr id="16" name="Picture 15"/>
+          <p:cNvPr id="6" name="Picture 5"/>
           <p:cNvPicPr>
             <a:picLocks noChangeAspect="1"/>
           </p:cNvPicPr>
@@ -3312,8 +3323,8 @@
         </p:blipFill>
         <p:spPr>
           <a:xfrm>
-            <a:off x="7409673" y="6184568"/>
-            <a:ext cx="7084222" cy="5288905"/>
+            <a:off x="7409671" y="6141421"/>
+            <a:ext cx="7106836" cy="5330127"/>
           </a:xfrm>
           <a:prstGeom prst="rect">
             <a:avLst/>
@@ -3322,7 +3333,7 @@
       </p:pic>
       <p:pic>
         <p:nvPicPr>
-          <p:cNvPr id="17" name="Picture 16"/>
+          <p:cNvPr id="7" name="Picture 6"/>
           <p:cNvPicPr>
             <a:picLocks noChangeAspect="1"/>
           </p:cNvPicPr>
@@ -3342,8 +3353,8 @@
         </p:blipFill>
         <p:spPr>
           <a:xfrm>
-            <a:off x="14493895" y="17392687"/>
-            <a:ext cx="6927864" cy="5244008"/>
+            <a:off x="14516506" y="17323528"/>
+            <a:ext cx="7084223" cy="5313167"/>
           </a:xfrm>
           <a:prstGeom prst="rect">
             <a:avLst/>
@@ -3352,7 +3363,7 @@
       </p:pic>
       <p:pic>
         <p:nvPicPr>
-          <p:cNvPr id="18" name="Picture 17"/>
+          <p:cNvPr id="8" name="Picture 7"/>
           <p:cNvPicPr>
             <a:picLocks noChangeAspect="1"/>
           </p:cNvPicPr>
@@ -3372,8 +3383,8 @@
         </p:blipFill>
         <p:spPr>
           <a:xfrm>
-            <a:off x="14493895" y="11811076"/>
-            <a:ext cx="7024084" cy="5244008"/>
+            <a:off x="14516506" y="11745197"/>
+            <a:ext cx="7106836" cy="5330127"/>
           </a:xfrm>
           <a:prstGeom prst="rect">
             <a:avLst/>
@@ -3382,7 +3393,7 @@
       </p:pic>
       <p:pic>
         <p:nvPicPr>
-          <p:cNvPr id="19" name="Picture 18"/>
+          <p:cNvPr id="9" name="Picture 8"/>
           <p:cNvPicPr>
             <a:picLocks noChangeAspect="1"/>
           </p:cNvPicPr>
@@ -3402,8 +3413,8 @@
         </p:blipFill>
         <p:spPr>
           <a:xfrm>
-            <a:off x="21517979" y="17392687"/>
-            <a:ext cx="7024084" cy="5244008"/>
+            <a:off x="21578108" y="17319164"/>
+            <a:ext cx="7090041" cy="5317531"/>
           </a:xfrm>
           <a:prstGeom prst="rect">
             <a:avLst/>
@@ -3412,7 +3423,7 @@
       </p:pic>
       <p:pic>
         <p:nvPicPr>
-          <p:cNvPr id="20" name="Picture 19"/>
+          <p:cNvPr id="10" name="Picture 9"/>
           <p:cNvPicPr>
             <a:picLocks noChangeAspect="1"/>
           </p:cNvPicPr>
@@ -3432,8 +3443,8 @@
         </p:blipFill>
         <p:spPr>
           <a:xfrm>
-            <a:off x="21517979" y="11811076"/>
-            <a:ext cx="7024084" cy="5244008"/>
+            <a:off x="21600729" y="11745197"/>
+            <a:ext cx="7106836" cy="5330127"/>
           </a:xfrm>
           <a:prstGeom prst="rect">
             <a:avLst/>
@@ -3442,7 +3453,7 @@
       </p:pic>
       <p:pic>
         <p:nvPicPr>
-          <p:cNvPr id="21" name="Picture 20"/>
+          <p:cNvPr id="11" name="Picture 10"/>
           <p:cNvPicPr>
             <a:picLocks noChangeAspect="1"/>
           </p:cNvPicPr>
@@ -3462,8 +3473,8 @@
         </p:blipFill>
         <p:spPr>
           <a:xfrm>
-            <a:off x="14493895" y="6229465"/>
-            <a:ext cx="7024084" cy="5244008"/>
+            <a:off x="14516506" y="6137057"/>
+            <a:ext cx="7078788" cy="5309091"/>
           </a:xfrm>
           <a:prstGeom prst="rect">
             <a:avLst/>
@@ -3472,7 +3483,7 @@
       </p:pic>
       <p:pic>
         <p:nvPicPr>
-          <p:cNvPr id="22" name="Picture 21"/>
+          <p:cNvPr id="12" name="Picture 11"/>
           <p:cNvPicPr>
             <a:picLocks noChangeAspect="1"/>
           </p:cNvPicPr>
@@ -3492,8 +3503,8 @@
         </p:blipFill>
         <p:spPr>
           <a:xfrm>
-            <a:off x="21421759" y="6184568"/>
-            <a:ext cx="7084221" cy="5288905"/>
+            <a:off x="21623343" y="6144738"/>
+            <a:ext cx="7104624" cy="5328468"/>
           </a:xfrm>
           <a:prstGeom prst="rect">
             <a:avLst/>
@@ -3502,7 +3513,7 @@
       </p:pic>
       <p:pic>
         <p:nvPicPr>
-          <p:cNvPr id="23" name="Picture 22"/>
+          <p:cNvPr id="19" name="Picture 18"/>
           <p:cNvPicPr>
             <a:picLocks noChangeAspect="1"/>
           </p:cNvPicPr>
@@ -3522,8 +3533,8 @@
         </p:blipFill>
         <p:spPr>
           <a:xfrm>
-            <a:off x="21517979" y="582009"/>
-            <a:ext cx="7024084" cy="5244008"/>
+            <a:off x="21623341" y="530419"/>
+            <a:ext cx="7084224" cy="5313168"/>
           </a:xfrm>
           <a:prstGeom prst="rect">
             <a:avLst/>
@@ -3532,14 +3543,14 @@
       </p:pic>
       <p:sp>
         <p:nvSpPr>
-          <p:cNvPr id="25" name="Rectangle 24"/>
+          <p:cNvPr id="56" name="Rectangle 55"/>
           <p:cNvSpPr/>
           <p:nvPr/>
         </p:nvSpPr>
         <p:spPr>
           <a:xfrm>
-            <a:off x="7409673" y="7647709"/>
-            <a:ext cx="293454" cy="2189018"/>
+            <a:off x="816475" y="16517257"/>
+            <a:ext cx="27851673" cy="562431"/>
           </a:xfrm>
           <a:prstGeom prst="rect">
             <a:avLst/>
@@ -3580,14 +3591,14 @@
       </p:sp>
       <p:sp>
         <p:nvSpPr>
-          <p:cNvPr id="26" name="Rectangle 25"/>
+          <p:cNvPr id="57" name="Rectangle 56"/>
           <p:cNvSpPr/>
           <p:nvPr/>
         </p:nvSpPr>
         <p:spPr>
           <a:xfrm>
-            <a:off x="14501489" y="7657243"/>
-            <a:ext cx="293454" cy="2189018"/>
+            <a:off x="601105" y="22076229"/>
+            <a:ext cx="28067044" cy="560466"/>
           </a:xfrm>
           <a:prstGeom prst="rect">
             <a:avLst/>
@@ -3622,20 +3633,20 @@
           <a:lstStyle/>
           <a:p>
             <a:pPr algn="ctr"/>
-            <a:endParaRPr lang="en-US" baseline="-25000" dirty="0"/>
-          </a:p>
-        </p:txBody>
-      </p:sp>
-      <p:sp>
-        <p:nvSpPr>
-          <p:cNvPr id="28" name="Rectangle 27"/>
+            <a:endParaRPr lang="en-US"/>
+          </a:p>
+        </p:txBody>
+      </p:sp>
+      <p:sp>
+        <p:nvSpPr>
+          <p:cNvPr id="58" name="Rectangle 57"/>
           <p:cNvSpPr/>
           <p:nvPr/>
         </p:nvSpPr>
         <p:spPr>
           <a:xfrm>
-            <a:off x="21433745" y="7740438"/>
-            <a:ext cx="293454" cy="2189018"/>
+            <a:off x="7809469" y="10914743"/>
+            <a:ext cx="20898095" cy="531405"/>
           </a:xfrm>
           <a:prstGeom prst="rect">
             <a:avLst/>
@@ -3676,14 +3687,14 @@
       </p:sp>
       <p:sp>
         <p:nvSpPr>
-          <p:cNvPr id="31" name="Rectangle 30"/>
+          <p:cNvPr id="59" name="Rectangle 58"/>
           <p:cNvSpPr/>
           <p:nvPr/>
         </p:nvSpPr>
         <p:spPr>
           <a:xfrm>
-            <a:off x="21507877" y="2085277"/>
-            <a:ext cx="293454" cy="2189018"/>
+            <a:off x="21914253" y="5297715"/>
+            <a:ext cx="6753896" cy="518946"/>
           </a:xfrm>
           <a:prstGeom prst="rect">
             <a:avLst/>
@@ -3724,14 +3735,14 @@
       </p:sp>
       <p:sp>
         <p:nvSpPr>
-          <p:cNvPr id="32" name="Rectangle 31"/>
+          <p:cNvPr id="60" name="Rectangle 59"/>
           <p:cNvSpPr/>
           <p:nvPr/>
         </p:nvSpPr>
         <p:spPr>
           <a:xfrm>
-            <a:off x="21518412" y="13260383"/>
-            <a:ext cx="293454" cy="2189018"/>
+            <a:off x="21621651" y="530419"/>
+            <a:ext cx="585205" cy="21790587"/>
           </a:xfrm>
           <a:prstGeom prst="rect">
             <a:avLst/>
@@ -3772,14 +3783,14 @@
       </p:sp>
       <p:sp>
         <p:nvSpPr>
-          <p:cNvPr id="33" name="Rectangle 32"/>
+          <p:cNvPr id="61" name="Rectangle 60"/>
           <p:cNvSpPr/>
           <p:nvPr/>
         </p:nvSpPr>
         <p:spPr>
           <a:xfrm>
-            <a:off x="14468987" y="13260383"/>
-            <a:ext cx="293454" cy="2189018"/>
+            <a:off x="14565123" y="6137057"/>
+            <a:ext cx="544247" cy="16183950"/>
           </a:xfrm>
           <a:prstGeom prst="rect">
             <a:avLst/>
@@ -3820,14 +3831,14 @@
       </p:sp>
       <p:sp>
         <p:nvSpPr>
-          <p:cNvPr id="34" name="Rectangle 33"/>
+          <p:cNvPr id="62" name="Rectangle 61"/>
           <p:cNvSpPr/>
           <p:nvPr/>
         </p:nvSpPr>
         <p:spPr>
           <a:xfrm>
-            <a:off x="7415346" y="13064440"/>
-            <a:ext cx="293454" cy="2189018"/>
+            <a:off x="7438327" y="6137057"/>
+            <a:ext cx="559044" cy="16183950"/>
           </a:xfrm>
           <a:prstGeom prst="rect">
             <a:avLst/>
@@ -3868,14 +3879,14 @@
       </p:sp>
       <p:sp>
         <p:nvSpPr>
-          <p:cNvPr id="35" name="Rectangle 34"/>
+          <p:cNvPr id="63" name="Rectangle 62"/>
           <p:cNvSpPr/>
           <p:nvPr/>
         </p:nvSpPr>
         <p:spPr>
           <a:xfrm>
-            <a:off x="325451" y="13260383"/>
-            <a:ext cx="293454" cy="2189018"/>
+            <a:off x="297017" y="11745197"/>
+            <a:ext cx="608177" cy="10733654"/>
           </a:xfrm>
           <a:prstGeom prst="rect">
             <a:avLst/>
@@ -3916,75 +3927,113 @@
       </p:sp>
       <p:sp>
         <p:nvSpPr>
-          <p:cNvPr id="36" name="Rectangle 35"/>
-          <p:cNvSpPr/>
+          <p:cNvPr id="26" name="TextBox 25"/>
+          <p:cNvSpPr txBox="1"/>
           <p:nvPr/>
         </p:nvSpPr>
         <p:spPr>
-          <a:xfrm rot="16200000">
-            <a:off x="-3076816" y="11085577"/>
-            <a:ext cx="6899343" cy="501505"/>
-          </a:xfrm>
-          <a:prstGeom prst="rect">
-            <a:avLst/>
-          </a:prstGeom>
-          <a:solidFill>
-            <a:schemeClr val="bg1"/>
-          </a:solidFill>
-          <a:ln>
-            <a:solidFill>
-              <a:schemeClr val="bg1"/>
-            </a:solidFill>
-          </a:ln>
-        </p:spPr>
-        <p:style>
-          <a:lnRef idx="2">
-            <a:schemeClr val="accent1">
-              <a:shade val="50000"/>
-            </a:schemeClr>
-          </a:lnRef>
-          <a:fillRef idx="1">
-            <a:schemeClr val="accent1"/>
-          </a:fillRef>
-          <a:effectRef idx="0">
-            <a:schemeClr val="accent1"/>
-          </a:effectRef>
-          <a:fontRef idx="minor">
-            <a:schemeClr val="lt1"/>
-          </a:fontRef>
-        </p:style>
-        <p:txBody>
-          <a:bodyPr rtlCol="0" anchor="ctr"/>
-          <a:lstStyle/>
-          <a:p>
-            <a:pPr algn="ctr"/>
-            <a:r>
-              <a:rPr lang="en-US" sz="2800" b="1" dirty="0" smtClean="0">
+          <a:xfrm>
+            <a:off x="5269150" y="17622242"/>
+            <a:ext cx="1587294" cy="1034579"/>
+          </a:xfrm>
+          <a:prstGeom prst="rect">
+            <a:avLst/>
+          </a:prstGeom>
+          <a:noFill/>
+        </p:spPr>
+        <p:txBody>
+          <a:bodyPr wrap="none" rtlCol="0">
+            <a:spAutoFit/>
+          </a:bodyPr>
+          <a:lstStyle/>
+          <a:p>
+            <a:r>
+              <a:rPr lang="en-US" b="1" dirty="0" smtClean="0">
                 <a:solidFill>
-                  <a:sysClr val="windowText" lastClr="000000"/>
+                  <a:schemeClr val="accent2"/>
                 </a:solidFill>
               </a:rPr>
-              <a:t>Conductance (</a:t>
-            </a:r>
-            <a:r>
-              <a:rPr lang="en-US" sz="2800" b="1" dirty="0" err="1" smtClean="0">
+              <a:t>0.49</a:t>
+            </a:r>
+            <a:endParaRPr lang="en-US" b="1" dirty="0">
+              <a:solidFill>
+                <a:schemeClr val="accent2"/>
+              </a:solidFill>
+            </a:endParaRPr>
+          </a:p>
+        </p:txBody>
+      </p:sp>
+      <p:sp>
+        <p:nvSpPr>
+          <p:cNvPr id="28" name="TextBox 27"/>
+          <p:cNvSpPr txBox="1"/>
+          <p:nvPr/>
+        </p:nvSpPr>
+        <p:spPr>
+          <a:xfrm>
+            <a:off x="19528958" y="17622241"/>
+            <a:ext cx="1587294" cy="1034579"/>
+          </a:xfrm>
+          <a:prstGeom prst="rect">
+            <a:avLst/>
+          </a:prstGeom>
+          <a:noFill/>
+        </p:spPr>
+        <p:txBody>
+          <a:bodyPr wrap="none" rtlCol="0">
+            <a:spAutoFit/>
+          </a:bodyPr>
+          <a:lstStyle/>
+          <a:p>
+            <a:r>
+              <a:rPr lang="en-US" b="1" dirty="0" smtClean="0">
                 <a:solidFill>
-                  <a:sysClr val="windowText" lastClr="000000"/>
+                  <a:schemeClr val="accent2"/>
                 </a:solidFill>
               </a:rPr>
-              <a:t>nS</a:t>
-            </a:r>
-            <a:r>
-              <a:rPr lang="en-US" sz="2800" b="1" dirty="0" smtClean="0">
+              <a:t>0.12</a:t>
+            </a:r>
+            <a:endParaRPr lang="en-US" b="1" dirty="0">
+              <a:solidFill>
+                <a:schemeClr val="accent2"/>
+              </a:solidFill>
+            </a:endParaRPr>
+          </a:p>
+        </p:txBody>
+      </p:sp>
+      <p:sp>
+        <p:nvSpPr>
+          <p:cNvPr id="31" name="TextBox 30"/>
+          <p:cNvSpPr txBox="1"/>
+          <p:nvPr/>
+        </p:nvSpPr>
+        <p:spPr>
+          <a:xfrm>
+            <a:off x="19532040" y="6377729"/>
+            <a:ext cx="1587294" cy="1034579"/>
+          </a:xfrm>
+          <a:prstGeom prst="rect">
+            <a:avLst/>
+          </a:prstGeom>
+          <a:noFill/>
+        </p:spPr>
+        <p:txBody>
+          <a:bodyPr wrap="none" rtlCol="0">
+            <a:spAutoFit/>
+          </a:bodyPr>
+          <a:lstStyle/>
+          <a:p>
+            <a:r>
+              <a:rPr lang="en-US" b="1" dirty="0" smtClean="0">
                 <a:solidFill>
-                  <a:sysClr val="windowText" lastClr="000000"/>
+                  <a:schemeClr val="accent2"/>
                 </a:solidFill>
               </a:rPr>
-              <a:t>)</a:t>
-            </a:r>
-            <a:endParaRPr lang="en-US" sz="2800" b="1" dirty="0">
+              <a:t>0.10</a:t>
+            </a:r>
+            <a:endParaRPr lang="en-US" b="1" dirty="0">
               <a:solidFill>
-                <a:sysClr val="windowText" lastClr="000000"/>
+                <a:schemeClr val="accent2"/>
               </a:solidFill>
             </a:endParaRPr>
           </a:p>
@@ -3992,651 +4041,113 @@
       </p:sp>
       <p:sp>
         <p:nvSpPr>
-          <p:cNvPr id="37" name="Rectangle 36"/>
-          <p:cNvSpPr/>
+          <p:cNvPr id="33" name="TextBox 32"/>
+          <p:cNvSpPr txBox="1"/>
           <p:nvPr/>
         </p:nvSpPr>
         <p:spPr>
           <a:xfrm>
-            <a:off x="24666118" y="5491839"/>
-            <a:ext cx="974333" cy="238401"/>
-          </a:xfrm>
-          <a:prstGeom prst="rect">
-            <a:avLst/>
-          </a:prstGeom>
-          <a:solidFill>
-            <a:schemeClr val="bg1"/>
-          </a:solidFill>
-          <a:ln>
-            <a:solidFill>
-              <a:schemeClr val="bg1"/>
-            </a:solidFill>
-          </a:ln>
-        </p:spPr>
-        <p:style>
-          <a:lnRef idx="2">
-            <a:schemeClr val="accent1">
-              <a:shade val="50000"/>
-            </a:schemeClr>
-          </a:lnRef>
-          <a:fillRef idx="1">
-            <a:schemeClr val="accent1"/>
-          </a:fillRef>
-          <a:effectRef idx="0">
-            <a:schemeClr val="accent1"/>
-          </a:effectRef>
-          <a:fontRef idx="minor">
-            <a:schemeClr val="lt1"/>
-          </a:fontRef>
-        </p:style>
-        <p:txBody>
-          <a:bodyPr rtlCol="0" anchor="ctr"/>
-          <a:lstStyle/>
-          <a:p>
-            <a:pPr algn="ctr"/>
-            <a:endParaRPr lang="en-US"/>
-          </a:p>
-        </p:txBody>
-      </p:sp>
-      <p:sp>
-        <p:nvSpPr>
-          <p:cNvPr id="38" name="Rectangle 37"/>
-          <p:cNvSpPr/>
-          <p:nvPr/>
-        </p:nvSpPr>
-        <p:spPr>
-          <a:xfrm>
-            <a:off x="24562491" y="11180236"/>
-            <a:ext cx="974333" cy="238401"/>
-          </a:xfrm>
-          <a:prstGeom prst="rect">
-            <a:avLst/>
-          </a:prstGeom>
-          <a:solidFill>
-            <a:schemeClr val="bg1"/>
-          </a:solidFill>
-          <a:ln>
-            <a:solidFill>
-              <a:schemeClr val="bg1"/>
-            </a:solidFill>
-          </a:ln>
-        </p:spPr>
-        <p:style>
-          <a:lnRef idx="2">
-            <a:schemeClr val="accent1">
-              <a:shade val="50000"/>
-            </a:schemeClr>
-          </a:lnRef>
-          <a:fillRef idx="1">
-            <a:schemeClr val="accent1"/>
-          </a:fillRef>
-          <a:effectRef idx="0">
-            <a:schemeClr val="accent1"/>
-          </a:effectRef>
-          <a:fontRef idx="minor">
-            <a:schemeClr val="lt1"/>
-          </a:fontRef>
-        </p:style>
-        <p:txBody>
-          <a:bodyPr rtlCol="0" anchor="ctr"/>
-          <a:lstStyle/>
-          <a:p>
-            <a:pPr algn="ctr"/>
-            <a:endParaRPr lang="en-US"/>
-          </a:p>
-        </p:txBody>
-      </p:sp>
-      <p:sp>
-        <p:nvSpPr>
-          <p:cNvPr id="39" name="Rectangle 38"/>
-          <p:cNvSpPr/>
-          <p:nvPr/>
-        </p:nvSpPr>
-        <p:spPr>
-          <a:xfrm>
-            <a:off x="17668930" y="11183265"/>
-            <a:ext cx="974333" cy="238401"/>
-          </a:xfrm>
-          <a:prstGeom prst="rect">
-            <a:avLst/>
-          </a:prstGeom>
-          <a:solidFill>
-            <a:schemeClr val="bg1"/>
-          </a:solidFill>
-          <a:ln>
-            <a:solidFill>
-              <a:schemeClr val="bg1"/>
-            </a:solidFill>
-          </a:ln>
-        </p:spPr>
-        <p:style>
-          <a:lnRef idx="2">
-            <a:schemeClr val="accent1">
-              <a:shade val="50000"/>
-            </a:schemeClr>
-          </a:lnRef>
-          <a:fillRef idx="1">
-            <a:schemeClr val="accent1"/>
-          </a:fillRef>
-          <a:effectRef idx="0">
-            <a:schemeClr val="accent1"/>
-          </a:effectRef>
-          <a:fontRef idx="minor">
-            <a:schemeClr val="lt1"/>
-          </a:fontRef>
-        </p:style>
-        <p:txBody>
-          <a:bodyPr rtlCol="0" anchor="ctr"/>
-          <a:lstStyle/>
-          <a:p>
-            <a:pPr algn="ctr"/>
-            <a:endParaRPr lang="en-US"/>
-          </a:p>
-        </p:txBody>
-      </p:sp>
-      <p:sp>
-        <p:nvSpPr>
-          <p:cNvPr id="40" name="Rectangle 39"/>
-          <p:cNvSpPr/>
-          <p:nvPr/>
-        </p:nvSpPr>
-        <p:spPr>
-          <a:xfrm>
-            <a:off x="10572815" y="11217130"/>
-            <a:ext cx="974333" cy="238401"/>
-          </a:xfrm>
-          <a:prstGeom prst="rect">
-            <a:avLst/>
-          </a:prstGeom>
-          <a:solidFill>
-            <a:schemeClr val="bg1"/>
-          </a:solidFill>
-          <a:ln>
-            <a:solidFill>
-              <a:schemeClr val="bg1"/>
-            </a:solidFill>
-          </a:ln>
-        </p:spPr>
-        <p:style>
-          <a:lnRef idx="2">
-            <a:schemeClr val="accent1">
-              <a:shade val="50000"/>
-            </a:schemeClr>
-          </a:lnRef>
-          <a:fillRef idx="1">
-            <a:schemeClr val="accent1"/>
-          </a:fillRef>
-          <a:effectRef idx="0">
-            <a:schemeClr val="accent1"/>
-          </a:effectRef>
-          <a:fontRef idx="minor">
-            <a:schemeClr val="lt1"/>
-          </a:fontRef>
-        </p:style>
-        <p:txBody>
-          <a:bodyPr rtlCol="0" anchor="ctr"/>
-          <a:lstStyle/>
-          <a:p>
-            <a:pPr algn="ctr"/>
-            <a:endParaRPr lang="en-US"/>
-          </a:p>
-        </p:txBody>
-      </p:sp>
-      <p:sp>
-        <p:nvSpPr>
-          <p:cNvPr id="41" name="Rectangle 40"/>
-          <p:cNvSpPr/>
-          <p:nvPr/>
-        </p:nvSpPr>
-        <p:spPr>
-          <a:xfrm>
-            <a:off x="24681022" y="16748953"/>
-            <a:ext cx="974333" cy="238401"/>
-          </a:xfrm>
-          <a:prstGeom prst="rect">
-            <a:avLst/>
-          </a:prstGeom>
-          <a:solidFill>
-            <a:schemeClr val="bg1"/>
-          </a:solidFill>
-          <a:ln>
-            <a:solidFill>
-              <a:schemeClr val="bg1"/>
-            </a:solidFill>
-          </a:ln>
-        </p:spPr>
-        <p:style>
-          <a:lnRef idx="2">
-            <a:schemeClr val="accent1">
-              <a:shade val="50000"/>
-            </a:schemeClr>
-          </a:lnRef>
-          <a:fillRef idx="1">
-            <a:schemeClr val="accent1"/>
-          </a:fillRef>
-          <a:effectRef idx="0">
-            <a:schemeClr val="accent1"/>
-          </a:effectRef>
-          <a:fontRef idx="minor">
-            <a:schemeClr val="lt1"/>
-          </a:fontRef>
-        </p:style>
-        <p:txBody>
-          <a:bodyPr rtlCol="0" anchor="ctr"/>
-          <a:lstStyle/>
-          <a:p>
-            <a:pPr algn="ctr"/>
-            <a:endParaRPr lang="en-US"/>
-          </a:p>
-        </p:txBody>
-      </p:sp>
-      <p:sp>
-        <p:nvSpPr>
-          <p:cNvPr id="42" name="Rectangle 41"/>
-          <p:cNvSpPr/>
-          <p:nvPr/>
-        </p:nvSpPr>
-        <p:spPr>
-          <a:xfrm>
-            <a:off x="24681944" y="22309668"/>
-            <a:ext cx="974333" cy="238401"/>
-          </a:xfrm>
-          <a:prstGeom prst="rect">
-            <a:avLst/>
-          </a:prstGeom>
-          <a:solidFill>
-            <a:schemeClr val="bg1"/>
-          </a:solidFill>
-          <a:ln>
-            <a:solidFill>
-              <a:schemeClr val="bg1"/>
-            </a:solidFill>
-          </a:ln>
-        </p:spPr>
-        <p:style>
-          <a:lnRef idx="2">
-            <a:schemeClr val="accent1">
-              <a:shade val="50000"/>
-            </a:schemeClr>
-          </a:lnRef>
-          <a:fillRef idx="1">
-            <a:schemeClr val="accent1"/>
-          </a:fillRef>
-          <a:effectRef idx="0">
-            <a:schemeClr val="accent1"/>
-          </a:effectRef>
-          <a:fontRef idx="minor">
-            <a:schemeClr val="lt1"/>
-          </a:fontRef>
-        </p:style>
-        <p:txBody>
-          <a:bodyPr rtlCol="0" anchor="ctr"/>
-          <a:lstStyle/>
-          <a:p>
-            <a:pPr algn="ctr"/>
-            <a:endParaRPr lang="en-US"/>
-          </a:p>
-        </p:txBody>
-      </p:sp>
-      <p:sp>
-        <p:nvSpPr>
-          <p:cNvPr id="43" name="Rectangle 42"/>
-          <p:cNvSpPr/>
-          <p:nvPr/>
-        </p:nvSpPr>
-        <p:spPr>
-          <a:xfrm>
-            <a:off x="17651996" y="16748951"/>
-            <a:ext cx="974333" cy="238401"/>
-          </a:xfrm>
-          <a:prstGeom prst="rect">
-            <a:avLst/>
-          </a:prstGeom>
-          <a:solidFill>
-            <a:schemeClr val="bg1"/>
-          </a:solidFill>
-          <a:ln>
-            <a:solidFill>
-              <a:schemeClr val="bg1"/>
-            </a:solidFill>
-          </a:ln>
-        </p:spPr>
-        <p:style>
-          <a:lnRef idx="2">
-            <a:schemeClr val="accent1">
-              <a:shade val="50000"/>
-            </a:schemeClr>
-          </a:lnRef>
-          <a:fillRef idx="1">
-            <a:schemeClr val="accent1"/>
-          </a:fillRef>
-          <a:effectRef idx="0">
-            <a:schemeClr val="accent1"/>
-          </a:effectRef>
-          <a:fontRef idx="minor">
-            <a:schemeClr val="lt1"/>
-          </a:fontRef>
-        </p:style>
-        <p:txBody>
-          <a:bodyPr rtlCol="0" anchor="ctr"/>
-          <a:lstStyle/>
-          <a:p>
-            <a:pPr algn="ctr"/>
-            <a:endParaRPr lang="en-US"/>
-          </a:p>
-        </p:txBody>
-      </p:sp>
-      <p:sp>
-        <p:nvSpPr>
-          <p:cNvPr id="44" name="Rectangle 43"/>
-          <p:cNvSpPr/>
-          <p:nvPr/>
-        </p:nvSpPr>
-        <p:spPr>
-          <a:xfrm>
-            <a:off x="10563679" y="16730683"/>
-            <a:ext cx="974333" cy="238401"/>
-          </a:xfrm>
-          <a:prstGeom prst="rect">
-            <a:avLst/>
-          </a:prstGeom>
-          <a:solidFill>
-            <a:schemeClr val="bg1"/>
-          </a:solidFill>
-          <a:ln>
-            <a:solidFill>
-              <a:schemeClr val="bg1"/>
-            </a:solidFill>
-          </a:ln>
-        </p:spPr>
-        <p:style>
-          <a:lnRef idx="2">
-            <a:schemeClr val="accent1">
-              <a:shade val="50000"/>
-            </a:schemeClr>
-          </a:lnRef>
-          <a:fillRef idx="1">
-            <a:schemeClr val="accent1"/>
-          </a:fillRef>
-          <a:effectRef idx="0">
-            <a:schemeClr val="accent1"/>
-          </a:effectRef>
-          <a:fontRef idx="minor">
-            <a:schemeClr val="lt1"/>
-          </a:fontRef>
-        </p:style>
-        <p:txBody>
-          <a:bodyPr rtlCol="0" anchor="ctr"/>
-          <a:lstStyle/>
-          <a:p>
-            <a:pPr algn="ctr"/>
-            <a:endParaRPr lang="en-US"/>
-          </a:p>
-        </p:txBody>
-      </p:sp>
-      <p:sp>
-        <p:nvSpPr>
-          <p:cNvPr id="45" name="Rectangle 44"/>
-          <p:cNvSpPr/>
-          <p:nvPr/>
-        </p:nvSpPr>
-        <p:spPr>
-          <a:xfrm>
-            <a:off x="17550398" y="22299517"/>
-            <a:ext cx="974333" cy="238401"/>
-          </a:xfrm>
-          <a:prstGeom prst="rect">
-            <a:avLst/>
-          </a:prstGeom>
-          <a:solidFill>
-            <a:schemeClr val="bg1"/>
-          </a:solidFill>
-          <a:ln>
-            <a:solidFill>
-              <a:schemeClr val="bg1"/>
-            </a:solidFill>
-          </a:ln>
-        </p:spPr>
-        <p:style>
-          <a:lnRef idx="2">
-            <a:schemeClr val="accent1">
-              <a:shade val="50000"/>
-            </a:schemeClr>
-          </a:lnRef>
-          <a:fillRef idx="1">
-            <a:schemeClr val="accent1"/>
-          </a:fillRef>
-          <a:effectRef idx="0">
-            <a:schemeClr val="accent1"/>
-          </a:effectRef>
-          <a:fontRef idx="minor">
-            <a:schemeClr val="lt1"/>
-          </a:fontRef>
-        </p:style>
-        <p:txBody>
-          <a:bodyPr rtlCol="0" anchor="ctr"/>
-          <a:lstStyle/>
-          <a:p>
-            <a:pPr algn="ctr"/>
-            <a:endParaRPr lang="en-US"/>
-          </a:p>
-        </p:txBody>
-      </p:sp>
-      <p:sp>
-        <p:nvSpPr>
-          <p:cNvPr id="46" name="Rectangle 45"/>
-          <p:cNvSpPr/>
-          <p:nvPr/>
-        </p:nvSpPr>
-        <p:spPr>
-          <a:xfrm>
-            <a:off x="10603880" y="22323900"/>
-            <a:ext cx="974333" cy="238401"/>
-          </a:xfrm>
-          <a:prstGeom prst="rect">
-            <a:avLst/>
-          </a:prstGeom>
-          <a:solidFill>
-            <a:schemeClr val="bg1"/>
-          </a:solidFill>
-          <a:ln>
-            <a:solidFill>
-              <a:schemeClr val="bg1"/>
-            </a:solidFill>
-          </a:ln>
-        </p:spPr>
-        <p:style>
-          <a:lnRef idx="2">
-            <a:schemeClr val="accent1">
-              <a:shade val="50000"/>
-            </a:schemeClr>
-          </a:lnRef>
-          <a:fillRef idx="1">
-            <a:schemeClr val="accent1"/>
-          </a:fillRef>
-          <a:effectRef idx="0">
-            <a:schemeClr val="accent1"/>
-          </a:effectRef>
-          <a:fontRef idx="minor">
-            <a:schemeClr val="lt1"/>
-          </a:fontRef>
-        </p:style>
-        <p:txBody>
-          <a:bodyPr rtlCol="0" anchor="ctr"/>
-          <a:lstStyle/>
-          <a:p>
-            <a:pPr algn="ctr"/>
-            <a:endParaRPr lang="en-US"/>
-          </a:p>
-        </p:txBody>
-      </p:sp>
-      <p:sp>
-        <p:nvSpPr>
-          <p:cNvPr id="47" name="Rectangle 46"/>
-          <p:cNvSpPr/>
-          <p:nvPr/>
-        </p:nvSpPr>
-        <p:spPr>
-          <a:xfrm>
-            <a:off x="3570895" y="16744717"/>
-            <a:ext cx="974333" cy="238401"/>
-          </a:xfrm>
-          <a:prstGeom prst="rect">
-            <a:avLst/>
-          </a:prstGeom>
-          <a:solidFill>
-            <a:schemeClr val="bg1"/>
-          </a:solidFill>
-          <a:ln>
-            <a:solidFill>
-              <a:schemeClr val="bg1"/>
-            </a:solidFill>
-          </a:ln>
-        </p:spPr>
-        <p:style>
-          <a:lnRef idx="2">
-            <a:schemeClr val="accent1">
-              <a:shade val="50000"/>
-            </a:schemeClr>
-          </a:lnRef>
-          <a:fillRef idx="1">
-            <a:schemeClr val="accent1"/>
-          </a:fillRef>
-          <a:effectRef idx="0">
-            <a:schemeClr val="accent1"/>
-          </a:effectRef>
-          <a:fontRef idx="minor">
-            <a:schemeClr val="lt1"/>
-          </a:fontRef>
-        </p:style>
-        <p:txBody>
-          <a:bodyPr rtlCol="0" anchor="ctr"/>
-          <a:lstStyle/>
-          <a:p>
-            <a:pPr algn="ctr"/>
-            <a:endParaRPr lang="en-US"/>
-          </a:p>
-        </p:txBody>
-      </p:sp>
-      <p:sp>
-        <p:nvSpPr>
-          <p:cNvPr id="48" name="Rectangle 47"/>
-          <p:cNvSpPr/>
-          <p:nvPr/>
-        </p:nvSpPr>
-        <p:spPr>
-          <a:xfrm>
-            <a:off x="3570894" y="22323900"/>
-            <a:ext cx="974333" cy="238401"/>
-          </a:xfrm>
-          <a:prstGeom prst="rect">
-            <a:avLst/>
-          </a:prstGeom>
-          <a:solidFill>
-            <a:schemeClr val="bg1"/>
-          </a:solidFill>
-          <a:ln>
-            <a:solidFill>
-              <a:schemeClr val="bg1"/>
-            </a:solidFill>
-          </a:ln>
-        </p:spPr>
-        <p:style>
-          <a:lnRef idx="2">
-            <a:schemeClr val="accent1">
-              <a:shade val="50000"/>
-            </a:schemeClr>
-          </a:lnRef>
-          <a:fillRef idx="1">
-            <a:schemeClr val="accent1"/>
-          </a:fillRef>
-          <a:effectRef idx="0">
-            <a:schemeClr val="accent1"/>
-          </a:effectRef>
-          <a:fontRef idx="minor">
-            <a:schemeClr val="lt1"/>
-          </a:fontRef>
-        </p:style>
-        <p:txBody>
-          <a:bodyPr rtlCol="0" anchor="ctr"/>
-          <a:lstStyle/>
-          <a:p>
-            <a:pPr algn="ctr"/>
-            <a:endParaRPr lang="en-US"/>
-          </a:p>
-        </p:txBody>
-      </p:sp>
-      <p:sp>
-        <p:nvSpPr>
-          <p:cNvPr id="49" name="Rectangle 48"/>
-          <p:cNvSpPr/>
-          <p:nvPr/>
-        </p:nvSpPr>
-        <p:spPr>
-          <a:xfrm>
-            <a:off x="12278625" y="22362000"/>
-            <a:ext cx="4603718" cy="563088"/>
-          </a:xfrm>
-          <a:prstGeom prst="rect">
-            <a:avLst/>
-          </a:prstGeom>
-          <a:solidFill>
-            <a:schemeClr val="bg1"/>
-          </a:solidFill>
-          <a:ln>
-            <a:solidFill>
-              <a:schemeClr val="bg1"/>
-            </a:solidFill>
-          </a:ln>
-        </p:spPr>
-        <p:style>
-          <a:lnRef idx="2">
-            <a:schemeClr val="accent1">
-              <a:shade val="50000"/>
-            </a:schemeClr>
-          </a:lnRef>
-          <a:fillRef idx="1">
-            <a:schemeClr val="accent1"/>
-          </a:fillRef>
-          <a:effectRef idx="0">
-            <a:schemeClr val="accent1"/>
-          </a:effectRef>
-          <a:fontRef idx="minor">
-            <a:schemeClr val="lt1"/>
-          </a:fontRef>
-        </p:style>
-        <p:txBody>
-          <a:bodyPr rtlCol="0" anchor="ctr"/>
-          <a:lstStyle/>
-          <a:p>
-            <a:pPr algn="ctr"/>
-            <a:r>
-              <a:rPr lang="en-US" sz="2800" b="1" dirty="0" smtClean="0">
+            <a:off x="12510565" y="17622241"/>
+            <a:ext cx="1587294" cy="1034579"/>
+          </a:xfrm>
+          <a:prstGeom prst="rect">
+            <a:avLst/>
+          </a:prstGeom>
+          <a:noFill/>
+        </p:spPr>
+        <p:txBody>
+          <a:bodyPr wrap="none" rtlCol="0">
+            <a:spAutoFit/>
+          </a:bodyPr>
+          <a:lstStyle/>
+          <a:p>
+            <a:r>
+              <a:rPr lang="en-US" b="1" dirty="0" smtClean="0">
                 <a:solidFill>
-                  <a:sysClr val="windowText" lastClr="000000"/>
+                  <a:schemeClr val="accent2"/>
                 </a:solidFill>
               </a:rPr>
-              <a:t>Time (</a:t>
-            </a:r>
-            <a:r>
-              <a:rPr lang="en-US" sz="2800" b="1" dirty="0" err="1" smtClean="0">
+              <a:t>0.44</a:t>
+            </a:r>
+            <a:endParaRPr lang="en-US" b="1" dirty="0">
+              <a:solidFill>
+                <a:schemeClr val="accent2"/>
+              </a:solidFill>
+            </a:endParaRPr>
+          </a:p>
+        </p:txBody>
+      </p:sp>
+      <p:sp>
+        <p:nvSpPr>
+          <p:cNvPr id="34" name="TextBox 33"/>
+          <p:cNvSpPr txBox="1"/>
+          <p:nvPr/>
+        </p:nvSpPr>
+        <p:spPr>
+          <a:xfrm>
+            <a:off x="26595057" y="17622240"/>
+            <a:ext cx="1587294" cy="1034579"/>
+          </a:xfrm>
+          <a:prstGeom prst="rect">
+            <a:avLst/>
+          </a:prstGeom>
+          <a:noFill/>
+        </p:spPr>
+        <p:txBody>
+          <a:bodyPr wrap="none" rtlCol="0">
+            <a:spAutoFit/>
+          </a:bodyPr>
+          <a:lstStyle/>
+          <a:p>
+            <a:r>
+              <a:rPr lang="en-US" b="1" dirty="0" smtClean="0">
                 <a:solidFill>
-                  <a:sysClr val="windowText" lastClr="000000"/>
+                  <a:schemeClr val="accent2"/>
                 </a:solidFill>
               </a:rPr>
-              <a:t>ms</a:t>
-            </a:r>
-            <a:r>
-              <a:rPr lang="en-US" sz="2800" b="1" dirty="0" smtClean="0">
+              <a:t>0.12</a:t>
+            </a:r>
+            <a:endParaRPr lang="en-US" b="1" dirty="0">
+              <a:solidFill>
+                <a:schemeClr val="accent2"/>
+              </a:solidFill>
+            </a:endParaRPr>
+          </a:p>
+        </p:txBody>
+      </p:sp>
+      <p:sp>
+        <p:nvSpPr>
+          <p:cNvPr id="35" name="TextBox 34"/>
+          <p:cNvSpPr txBox="1"/>
+          <p:nvPr/>
+        </p:nvSpPr>
+        <p:spPr>
+          <a:xfrm>
+            <a:off x="12478465" y="6377728"/>
+            <a:ext cx="1587294" cy="1034579"/>
+          </a:xfrm>
+          <a:prstGeom prst="rect">
+            <a:avLst/>
+          </a:prstGeom>
+          <a:noFill/>
+        </p:spPr>
+        <p:txBody>
+          <a:bodyPr wrap="none" rtlCol="0">
+            <a:spAutoFit/>
+          </a:bodyPr>
+          <a:lstStyle/>
+          <a:p>
+            <a:r>
+              <a:rPr lang="en-US" b="1" dirty="0" smtClean="0">
                 <a:solidFill>
-                  <a:sysClr val="windowText" lastClr="000000"/>
+                  <a:schemeClr val="accent2"/>
                 </a:solidFill>
               </a:rPr>
-              <a:t>)</a:t>
-            </a:r>
-            <a:endParaRPr lang="en-US" sz="2800" b="1" dirty="0">
+              <a:t>0.14</a:t>
+            </a:r>
+            <a:endParaRPr lang="en-US" b="1" dirty="0">
               <a:solidFill>
-                <a:sysClr val="windowText" lastClr="000000"/>
+                <a:schemeClr val="accent2"/>
               </a:solidFill>
             </a:endParaRPr>
           </a:p>
@@ -4644,193 +4155,685 @@
       </p:sp>
       <p:sp>
         <p:nvSpPr>
-          <p:cNvPr id="50" name="Rectangle 49"/>
-          <p:cNvSpPr/>
+          <p:cNvPr id="36" name="TextBox 35"/>
+          <p:cNvSpPr txBox="1"/>
           <p:nvPr/>
         </p:nvSpPr>
         <p:spPr>
           <a:xfrm>
-            <a:off x="21520858" y="18652440"/>
-            <a:ext cx="293454" cy="2189018"/>
-          </a:xfrm>
-          <a:prstGeom prst="rect">
-            <a:avLst/>
-          </a:prstGeom>
-          <a:solidFill>
-            <a:schemeClr val="bg1"/>
-          </a:solidFill>
-          <a:ln>
-            <a:solidFill>
-              <a:schemeClr val="bg1"/>
-            </a:solidFill>
-          </a:ln>
-        </p:spPr>
-        <p:style>
-          <a:lnRef idx="2">
-            <a:schemeClr val="accent1">
-              <a:shade val="50000"/>
-            </a:schemeClr>
-          </a:lnRef>
-          <a:fillRef idx="1">
-            <a:schemeClr val="accent1"/>
-          </a:fillRef>
-          <a:effectRef idx="0">
-            <a:schemeClr val="accent1"/>
-          </a:effectRef>
-          <a:fontRef idx="minor">
-            <a:schemeClr val="lt1"/>
-          </a:fontRef>
-        </p:style>
-        <p:txBody>
-          <a:bodyPr rtlCol="0" anchor="ctr"/>
-          <a:lstStyle/>
-          <a:p>
-            <a:pPr algn="ctr"/>
-            <a:endParaRPr lang="en-US"/>
-          </a:p>
-        </p:txBody>
-      </p:sp>
-      <p:sp>
-        <p:nvSpPr>
-          <p:cNvPr id="51" name="Rectangle 50"/>
-          <p:cNvSpPr/>
+            <a:off x="26686538" y="6377727"/>
+            <a:ext cx="1587294" cy="1034579"/>
+          </a:xfrm>
+          <a:prstGeom prst="rect">
+            <a:avLst/>
+          </a:prstGeom>
+          <a:noFill/>
+        </p:spPr>
+        <p:txBody>
+          <a:bodyPr wrap="none" rtlCol="0">
+            <a:spAutoFit/>
+          </a:bodyPr>
+          <a:lstStyle/>
+          <a:p>
+            <a:r>
+              <a:rPr lang="en-US" b="1" dirty="0" smtClean="0">
+                <a:solidFill>
+                  <a:schemeClr val="accent2"/>
+                </a:solidFill>
+              </a:rPr>
+              <a:t>0.15</a:t>
+            </a:r>
+            <a:endParaRPr lang="en-US" b="1" dirty="0">
+              <a:solidFill>
+                <a:schemeClr val="accent2"/>
+              </a:solidFill>
+            </a:endParaRPr>
+          </a:p>
+        </p:txBody>
+      </p:sp>
+      <p:sp>
+        <p:nvSpPr>
+          <p:cNvPr id="37" name="TextBox 36"/>
+          <p:cNvSpPr txBox="1"/>
           <p:nvPr/>
         </p:nvSpPr>
         <p:spPr>
           <a:xfrm>
-            <a:off x="14457193" y="18652440"/>
-            <a:ext cx="293454" cy="2189018"/>
-          </a:xfrm>
-          <a:prstGeom prst="rect">
-            <a:avLst/>
-          </a:prstGeom>
-          <a:solidFill>
-            <a:schemeClr val="bg1"/>
-          </a:solidFill>
-          <a:ln>
-            <a:solidFill>
-              <a:schemeClr val="bg1"/>
-            </a:solidFill>
-          </a:ln>
-        </p:spPr>
-        <p:style>
-          <a:lnRef idx="2">
-            <a:schemeClr val="accent1">
-              <a:shade val="50000"/>
-            </a:schemeClr>
-          </a:lnRef>
-          <a:fillRef idx="1">
-            <a:schemeClr val="accent1"/>
-          </a:fillRef>
-          <a:effectRef idx="0">
-            <a:schemeClr val="accent1"/>
-          </a:effectRef>
-          <a:fontRef idx="minor">
-            <a:schemeClr val="lt1"/>
-          </a:fontRef>
-        </p:style>
-        <p:txBody>
-          <a:bodyPr rtlCol="0" anchor="ctr"/>
-          <a:lstStyle/>
-          <a:p>
-            <a:pPr algn="ctr"/>
-            <a:endParaRPr lang="en-US"/>
-          </a:p>
-        </p:txBody>
-      </p:sp>
-      <p:sp>
-        <p:nvSpPr>
-          <p:cNvPr id="52" name="Rectangle 51"/>
-          <p:cNvSpPr/>
+            <a:off x="5270051" y="12046726"/>
+            <a:ext cx="1587294" cy="1034579"/>
+          </a:xfrm>
+          <a:prstGeom prst="rect">
+            <a:avLst/>
+          </a:prstGeom>
+          <a:noFill/>
+        </p:spPr>
+        <p:txBody>
+          <a:bodyPr wrap="none" rtlCol="0">
+            <a:spAutoFit/>
+          </a:bodyPr>
+          <a:lstStyle/>
+          <a:p>
+            <a:r>
+              <a:rPr lang="en-US" b="1" dirty="0" smtClean="0">
+                <a:solidFill>
+                  <a:schemeClr val="accent2"/>
+                </a:solidFill>
+              </a:rPr>
+              <a:t>0.19</a:t>
+            </a:r>
+            <a:endParaRPr lang="en-US" b="1" dirty="0">
+              <a:solidFill>
+                <a:schemeClr val="accent2"/>
+              </a:solidFill>
+            </a:endParaRPr>
+          </a:p>
+        </p:txBody>
+      </p:sp>
+      <p:sp>
+        <p:nvSpPr>
+          <p:cNvPr id="38" name="TextBox 37"/>
+          <p:cNvSpPr txBox="1"/>
           <p:nvPr/>
         </p:nvSpPr>
         <p:spPr>
           <a:xfrm>
-            <a:off x="7407687" y="18652440"/>
-            <a:ext cx="293454" cy="2189018"/>
-          </a:xfrm>
-          <a:prstGeom prst="rect">
-            <a:avLst/>
-          </a:prstGeom>
-          <a:solidFill>
-            <a:schemeClr val="bg1"/>
-          </a:solidFill>
-          <a:ln>
-            <a:solidFill>
-              <a:schemeClr val="bg1"/>
-            </a:solidFill>
-          </a:ln>
-        </p:spPr>
-        <p:style>
-          <a:lnRef idx="2">
-            <a:schemeClr val="accent1">
-              <a:shade val="50000"/>
-            </a:schemeClr>
-          </a:lnRef>
-          <a:fillRef idx="1">
-            <a:schemeClr val="accent1"/>
-          </a:fillRef>
-          <a:effectRef idx="0">
-            <a:schemeClr val="accent1"/>
-          </a:effectRef>
-          <a:fontRef idx="minor">
-            <a:schemeClr val="lt1"/>
-          </a:fontRef>
-        </p:style>
-        <p:txBody>
-          <a:bodyPr rtlCol="0" anchor="ctr"/>
-          <a:lstStyle/>
-          <a:p>
-            <a:pPr algn="ctr"/>
-            <a:endParaRPr lang="en-US"/>
-          </a:p>
-        </p:txBody>
-      </p:sp>
-      <p:sp>
-        <p:nvSpPr>
-          <p:cNvPr id="53" name="Rectangle 52"/>
-          <p:cNvSpPr/>
+            <a:off x="19534158" y="12046725"/>
+            <a:ext cx="1587294" cy="1034579"/>
+          </a:xfrm>
+          <a:prstGeom prst="rect">
+            <a:avLst/>
+          </a:prstGeom>
+          <a:noFill/>
+        </p:spPr>
+        <p:txBody>
+          <a:bodyPr wrap="none" rtlCol="0">
+            <a:spAutoFit/>
+          </a:bodyPr>
+          <a:lstStyle/>
+          <a:p>
+            <a:r>
+              <a:rPr lang="en-US" b="1" dirty="0" smtClean="0">
+                <a:solidFill>
+                  <a:schemeClr val="accent2"/>
+                </a:solidFill>
+              </a:rPr>
+              <a:t>0.13</a:t>
+            </a:r>
+            <a:endParaRPr lang="en-US" b="1" dirty="0">
+              <a:solidFill>
+                <a:schemeClr val="accent2"/>
+              </a:solidFill>
+            </a:endParaRPr>
+          </a:p>
+        </p:txBody>
+      </p:sp>
+      <p:sp>
+        <p:nvSpPr>
+          <p:cNvPr id="40" name="TextBox 39"/>
+          <p:cNvSpPr txBox="1"/>
           <p:nvPr/>
         </p:nvSpPr>
         <p:spPr>
           <a:xfrm>
-            <a:off x="335095" y="18652440"/>
-            <a:ext cx="293454" cy="2189018"/>
-          </a:xfrm>
-          <a:prstGeom prst="rect">
-            <a:avLst/>
-          </a:prstGeom>
-          <a:solidFill>
-            <a:schemeClr val="bg1"/>
-          </a:solidFill>
-          <a:ln>
-            <a:solidFill>
-              <a:schemeClr val="bg1"/>
-            </a:solidFill>
-          </a:ln>
-        </p:spPr>
-        <p:style>
-          <a:lnRef idx="2">
-            <a:schemeClr val="accent1">
-              <a:shade val="50000"/>
-            </a:schemeClr>
-          </a:lnRef>
-          <a:fillRef idx="1">
-            <a:schemeClr val="accent1"/>
-          </a:fillRef>
-          <a:effectRef idx="0">
-            <a:schemeClr val="accent1"/>
-          </a:effectRef>
-          <a:fontRef idx="minor">
-            <a:schemeClr val="lt1"/>
-          </a:fontRef>
-        </p:style>
-        <p:txBody>
-          <a:bodyPr rtlCol="0" anchor="ctr"/>
-          <a:lstStyle/>
-          <a:p>
-            <a:pPr algn="ctr"/>
-            <a:endParaRPr lang="en-US"/>
+            <a:off x="12478465" y="12046725"/>
+            <a:ext cx="1587294" cy="1034579"/>
+          </a:xfrm>
+          <a:prstGeom prst="rect">
+            <a:avLst/>
+          </a:prstGeom>
+          <a:noFill/>
+        </p:spPr>
+        <p:txBody>
+          <a:bodyPr wrap="none" rtlCol="0">
+            <a:spAutoFit/>
+          </a:bodyPr>
+          <a:lstStyle/>
+          <a:p>
+            <a:r>
+              <a:rPr lang="en-US" b="1" dirty="0" smtClean="0">
+                <a:solidFill>
+                  <a:schemeClr val="accent2"/>
+                </a:solidFill>
+              </a:rPr>
+              <a:t>0.18</a:t>
+            </a:r>
+            <a:endParaRPr lang="en-US" b="1" dirty="0">
+              <a:solidFill>
+                <a:schemeClr val="accent2"/>
+              </a:solidFill>
+            </a:endParaRPr>
+          </a:p>
+        </p:txBody>
+      </p:sp>
+      <p:sp>
+        <p:nvSpPr>
+          <p:cNvPr id="41" name="TextBox 40"/>
+          <p:cNvSpPr txBox="1"/>
+          <p:nvPr/>
+        </p:nvSpPr>
+        <p:spPr>
+          <a:xfrm>
+            <a:off x="26595057" y="12046724"/>
+            <a:ext cx="1587294" cy="1034579"/>
+          </a:xfrm>
+          <a:prstGeom prst="rect">
+            <a:avLst/>
+          </a:prstGeom>
+          <a:noFill/>
+        </p:spPr>
+        <p:txBody>
+          <a:bodyPr wrap="none" rtlCol="0">
+            <a:spAutoFit/>
+          </a:bodyPr>
+          <a:lstStyle/>
+          <a:p>
+            <a:r>
+              <a:rPr lang="en-US" b="1" dirty="0" smtClean="0">
+                <a:solidFill>
+                  <a:schemeClr val="accent2"/>
+                </a:solidFill>
+              </a:rPr>
+              <a:t>0.15</a:t>
+            </a:r>
+            <a:endParaRPr lang="en-US" b="1" dirty="0">
+              <a:solidFill>
+                <a:schemeClr val="accent2"/>
+              </a:solidFill>
+            </a:endParaRPr>
+          </a:p>
+        </p:txBody>
+      </p:sp>
+      <p:sp>
+        <p:nvSpPr>
+          <p:cNvPr id="42" name="TextBox 41"/>
+          <p:cNvSpPr txBox="1"/>
+          <p:nvPr/>
+        </p:nvSpPr>
+        <p:spPr>
+          <a:xfrm>
+            <a:off x="26595057" y="798186"/>
+            <a:ext cx="1587294" cy="1034579"/>
+          </a:xfrm>
+          <a:prstGeom prst="rect">
+            <a:avLst/>
+          </a:prstGeom>
+          <a:noFill/>
+        </p:spPr>
+        <p:txBody>
+          <a:bodyPr wrap="none" rtlCol="0">
+            <a:spAutoFit/>
+          </a:bodyPr>
+          <a:lstStyle/>
+          <a:p>
+            <a:r>
+              <a:rPr lang="en-US" b="1" dirty="0" smtClean="0">
+                <a:solidFill>
+                  <a:schemeClr val="accent2"/>
+                </a:solidFill>
+              </a:rPr>
+              <a:t>0.15</a:t>
+            </a:r>
+            <a:endParaRPr lang="en-US" b="1" dirty="0">
+              <a:solidFill>
+                <a:schemeClr val="accent2"/>
+              </a:solidFill>
+            </a:endParaRPr>
+          </a:p>
+        </p:txBody>
+      </p:sp>
+      <p:sp>
+        <p:nvSpPr>
+          <p:cNvPr id="39" name="TextBox 38"/>
+          <p:cNvSpPr txBox="1"/>
+          <p:nvPr/>
+        </p:nvSpPr>
+        <p:spPr>
+          <a:xfrm>
+            <a:off x="1273017" y="17622239"/>
+            <a:ext cx="1587294" cy="1034579"/>
+          </a:xfrm>
+          <a:prstGeom prst="rect">
+            <a:avLst/>
+          </a:prstGeom>
+          <a:noFill/>
+        </p:spPr>
+        <p:txBody>
+          <a:bodyPr wrap="none" rtlCol="0">
+            <a:spAutoFit/>
+          </a:bodyPr>
+          <a:lstStyle/>
+          <a:p>
+            <a:r>
+              <a:rPr lang="en-US" b="1" dirty="0" smtClean="0">
+                <a:solidFill>
+                  <a:schemeClr val="accent1"/>
+                </a:solidFill>
+              </a:rPr>
+              <a:t>0.33</a:t>
+            </a:r>
+            <a:endParaRPr lang="en-US" b="1" dirty="0">
+              <a:solidFill>
+                <a:schemeClr val="accent1"/>
+              </a:solidFill>
+            </a:endParaRPr>
+          </a:p>
+        </p:txBody>
+      </p:sp>
+      <p:sp>
+        <p:nvSpPr>
+          <p:cNvPr id="43" name="TextBox 42"/>
+          <p:cNvSpPr txBox="1"/>
+          <p:nvPr/>
+        </p:nvSpPr>
+        <p:spPr>
+          <a:xfrm>
+            <a:off x="15591000" y="17622238"/>
+            <a:ext cx="1587294" cy="1034579"/>
+          </a:xfrm>
+          <a:prstGeom prst="rect">
+            <a:avLst/>
+          </a:prstGeom>
+          <a:noFill/>
+        </p:spPr>
+        <p:txBody>
+          <a:bodyPr wrap="none" rtlCol="0">
+            <a:spAutoFit/>
+          </a:bodyPr>
+          <a:lstStyle/>
+          <a:p>
+            <a:r>
+              <a:rPr lang="en-US" b="1" dirty="0" smtClean="0">
+                <a:solidFill>
+                  <a:schemeClr val="accent1"/>
+                </a:solidFill>
+              </a:rPr>
+              <a:t>0.10</a:t>
+            </a:r>
+            <a:endParaRPr lang="en-US" b="1" dirty="0">
+              <a:solidFill>
+                <a:schemeClr val="accent1"/>
+              </a:solidFill>
+            </a:endParaRPr>
+          </a:p>
+        </p:txBody>
+      </p:sp>
+      <p:sp>
+        <p:nvSpPr>
+          <p:cNvPr id="44" name="TextBox 43"/>
+          <p:cNvSpPr txBox="1"/>
+          <p:nvPr/>
+        </p:nvSpPr>
+        <p:spPr>
+          <a:xfrm>
+            <a:off x="15545215" y="6376011"/>
+            <a:ext cx="1587294" cy="1034579"/>
+          </a:xfrm>
+          <a:prstGeom prst="rect">
+            <a:avLst/>
+          </a:prstGeom>
+          <a:noFill/>
+        </p:spPr>
+        <p:txBody>
+          <a:bodyPr wrap="none" rtlCol="0">
+            <a:spAutoFit/>
+          </a:bodyPr>
+          <a:lstStyle/>
+          <a:p>
+            <a:r>
+              <a:rPr lang="en-US" b="1" dirty="0" smtClean="0">
+                <a:solidFill>
+                  <a:schemeClr val="accent1"/>
+                </a:solidFill>
+              </a:rPr>
+              <a:t>0.10</a:t>
+            </a:r>
+            <a:endParaRPr lang="en-US" b="1" dirty="0">
+              <a:solidFill>
+                <a:schemeClr val="accent1"/>
+              </a:solidFill>
+            </a:endParaRPr>
+          </a:p>
+        </p:txBody>
+      </p:sp>
+      <p:sp>
+        <p:nvSpPr>
+          <p:cNvPr id="46" name="TextBox 45"/>
+          <p:cNvSpPr txBox="1"/>
+          <p:nvPr/>
+        </p:nvSpPr>
+        <p:spPr>
+          <a:xfrm>
+            <a:off x="8464568" y="17622237"/>
+            <a:ext cx="1587294" cy="1034579"/>
+          </a:xfrm>
+          <a:prstGeom prst="rect">
+            <a:avLst/>
+          </a:prstGeom>
+          <a:noFill/>
+        </p:spPr>
+        <p:txBody>
+          <a:bodyPr wrap="none" rtlCol="0">
+            <a:spAutoFit/>
+          </a:bodyPr>
+          <a:lstStyle/>
+          <a:p>
+            <a:r>
+              <a:rPr lang="en-US" b="1" dirty="0" smtClean="0">
+                <a:solidFill>
+                  <a:schemeClr val="accent1"/>
+                </a:solidFill>
+              </a:rPr>
+              <a:t>0.25</a:t>
+            </a:r>
+            <a:endParaRPr lang="en-US" b="1" dirty="0">
+              <a:solidFill>
+                <a:schemeClr val="accent1"/>
+              </a:solidFill>
+            </a:endParaRPr>
+          </a:p>
+        </p:txBody>
+      </p:sp>
+      <p:sp>
+        <p:nvSpPr>
+          <p:cNvPr id="47" name="TextBox 46"/>
+          <p:cNvSpPr txBox="1"/>
+          <p:nvPr/>
+        </p:nvSpPr>
+        <p:spPr>
+          <a:xfrm>
+            <a:off x="22611180" y="17622237"/>
+            <a:ext cx="1587294" cy="1034579"/>
+          </a:xfrm>
+          <a:prstGeom prst="rect">
+            <a:avLst/>
+          </a:prstGeom>
+          <a:noFill/>
+        </p:spPr>
+        <p:txBody>
+          <a:bodyPr wrap="none" rtlCol="0">
+            <a:spAutoFit/>
+          </a:bodyPr>
+          <a:lstStyle/>
+          <a:p>
+            <a:r>
+              <a:rPr lang="en-US" b="1" dirty="0" smtClean="0">
+                <a:solidFill>
+                  <a:schemeClr val="accent1"/>
+                </a:solidFill>
+              </a:rPr>
+              <a:t>0.11</a:t>
+            </a:r>
+            <a:endParaRPr lang="en-US" b="1" dirty="0">
+              <a:solidFill>
+                <a:schemeClr val="accent1"/>
+              </a:solidFill>
+            </a:endParaRPr>
+          </a:p>
+        </p:txBody>
+      </p:sp>
+      <p:sp>
+        <p:nvSpPr>
+          <p:cNvPr id="48" name="TextBox 47"/>
+          <p:cNvSpPr txBox="1"/>
+          <p:nvPr/>
+        </p:nvSpPr>
+        <p:spPr>
+          <a:xfrm>
+            <a:off x="8449530" y="6376010"/>
+            <a:ext cx="1587294" cy="1034579"/>
+          </a:xfrm>
+          <a:prstGeom prst="rect">
+            <a:avLst/>
+          </a:prstGeom>
+          <a:noFill/>
+        </p:spPr>
+        <p:txBody>
+          <a:bodyPr wrap="none" rtlCol="0">
+            <a:spAutoFit/>
+          </a:bodyPr>
+          <a:lstStyle/>
+          <a:p>
+            <a:r>
+              <a:rPr lang="en-US" b="1" dirty="0" smtClean="0">
+                <a:solidFill>
+                  <a:schemeClr val="accent1"/>
+                </a:solidFill>
+              </a:rPr>
+              <a:t>0.13</a:t>
+            </a:r>
+            <a:endParaRPr lang="en-US" b="1" dirty="0">
+              <a:solidFill>
+                <a:schemeClr val="accent1"/>
+              </a:solidFill>
+            </a:endParaRPr>
+          </a:p>
+        </p:txBody>
+      </p:sp>
+      <p:sp>
+        <p:nvSpPr>
+          <p:cNvPr id="49" name="TextBox 48"/>
+          <p:cNvSpPr txBox="1"/>
+          <p:nvPr/>
+        </p:nvSpPr>
+        <p:spPr>
+          <a:xfrm>
+            <a:off x="22529643" y="6376009"/>
+            <a:ext cx="1587294" cy="1034579"/>
+          </a:xfrm>
+          <a:prstGeom prst="rect">
+            <a:avLst/>
+          </a:prstGeom>
+          <a:noFill/>
+        </p:spPr>
+        <p:txBody>
+          <a:bodyPr wrap="none" rtlCol="0">
+            <a:spAutoFit/>
+          </a:bodyPr>
+          <a:lstStyle/>
+          <a:p>
+            <a:r>
+              <a:rPr lang="en-US" b="1" dirty="0" smtClean="0">
+                <a:solidFill>
+                  <a:schemeClr val="accent1"/>
+                </a:solidFill>
+              </a:rPr>
+              <a:t>0.15</a:t>
+            </a:r>
+            <a:endParaRPr lang="en-US" b="1" dirty="0">
+              <a:solidFill>
+                <a:schemeClr val="accent1"/>
+              </a:solidFill>
+            </a:endParaRPr>
+          </a:p>
+        </p:txBody>
+      </p:sp>
+      <p:sp>
+        <p:nvSpPr>
+          <p:cNvPr id="50" name="TextBox 49"/>
+          <p:cNvSpPr txBox="1"/>
+          <p:nvPr/>
+        </p:nvSpPr>
+        <p:spPr>
+          <a:xfrm>
+            <a:off x="1257178" y="12046723"/>
+            <a:ext cx="1587294" cy="1034579"/>
+          </a:xfrm>
+          <a:prstGeom prst="rect">
+            <a:avLst/>
+          </a:prstGeom>
+          <a:noFill/>
+        </p:spPr>
+        <p:txBody>
+          <a:bodyPr wrap="none" rtlCol="0">
+            <a:spAutoFit/>
+          </a:bodyPr>
+          <a:lstStyle/>
+          <a:p>
+            <a:r>
+              <a:rPr lang="en-US" b="1" dirty="0" smtClean="0">
+                <a:solidFill>
+                  <a:schemeClr val="accent1"/>
+                </a:solidFill>
+              </a:rPr>
+              <a:t>0.15</a:t>
+            </a:r>
+            <a:endParaRPr lang="en-US" b="1" dirty="0">
+              <a:solidFill>
+                <a:schemeClr val="accent1"/>
+              </a:solidFill>
+            </a:endParaRPr>
+          </a:p>
+        </p:txBody>
+      </p:sp>
+      <p:sp>
+        <p:nvSpPr>
+          <p:cNvPr id="51" name="TextBox 50"/>
+          <p:cNvSpPr txBox="1"/>
+          <p:nvPr/>
+        </p:nvSpPr>
+        <p:spPr>
+          <a:xfrm>
+            <a:off x="15545215" y="12032775"/>
+            <a:ext cx="1587294" cy="1034579"/>
+          </a:xfrm>
+          <a:prstGeom prst="rect">
+            <a:avLst/>
+          </a:prstGeom>
+          <a:noFill/>
+        </p:spPr>
+        <p:txBody>
+          <a:bodyPr wrap="none" rtlCol="0">
+            <a:spAutoFit/>
+          </a:bodyPr>
+          <a:lstStyle/>
+          <a:p>
+            <a:r>
+              <a:rPr lang="en-US" b="1" dirty="0" smtClean="0">
+                <a:solidFill>
+                  <a:schemeClr val="accent1"/>
+                </a:solidFill>
+              </a:rPr>
+              <a:t>0.13</a:t>
+            </a:r>
+            <a:endParaRPr lang="en-US" b="1" dirty="0">
+              <a:solidFill>
+                <a:schemeClr val="accent1"/>
+              </a:solidFill>
+            </a:endParaRPr>
+          </a:p>
+        </p:txBody>
+      </p:sp>
+      <p:sp>
+        <p:nvSpPr>
+          <p:cNvPr id="52" name="TextBox 51"/>
+          <p:cNvSpPr txBox="1"/>
+          <p:nvPr/>
+        </p:nvSpPr>
+        <p:spPr>
+          <a:xfrm>
+            <a:off x="8383974" y="12032775"/>
+            <a:ext cx="1587294" cy="1034579"/>
+          </a:xfrm>
+          <a:prstGeom prst="rect">
+            <a:avLst/>
+          </a:prstGeom>
+          <a:noFill/>
+        </p:spPr>
+        <p:txBody>
+          <a:bodyPr wrap="none" rtlCol="0">
+            <a:spAutoFit/>
+          </a:bodyPr>
+          <a:lstStyle/>
+          <a:p>
+            <a:r>
+              <a:rPr lang="en-US" b="1" dirty="0" smtClean="0">
+                <a:solidFill>
+                  <a:schemeClr val="accent1"/>
+                </a:solidFill>
+              </a:rPr>
+              <a:t>0.16</a:t>
+            </a:r>
+            <a:endParaRPr lang="en-US" b="1" dirty="0">
+              <a:solidFill>
+                <a:schemeClr val="accent1"/>
+              </a:solidFill>
+            </a:endParaRPr>
+          </a:p>
+        </p:txBody>
+      </p:sp>
+      <p:sp>
+        <p:nvSpPr>
+          <p:cNvPr id="53" name="TextBox 52"/>
+          <p:cNvSpPr txBox="1"/>
+          <p:nvPr/>
+        </p:nvSpPr>
+        <p:spPr>
+          <a:xfrm>
+            <a:off x="22555731" y="12032775"/>
+            <a:ext cx="1587294" cy="1034579"/>
+          </a:xfrm>
+          <a:prstGeom prst="rect">
+            <a:avLst/>
+          </a:prstGeom>
+          <a:noFill/>
+        </p:spPr>
+        <p:txBody>
+          <a:bodyPr wrap="none" rtlCol="0">
+            <a:spAutoFit/>
+          </a:bodyPr>
+          <a:lstStyle/>
+          <a:p>
+            <a:r>
+              <a:rPr lang="en-US" b="1" dirty="0" smtClean="0">
+                <a:solidFill>
+                  <a:schemeClr val="accent1"/>
+                </a:solidFill>
+              </a:rPr>
+              <a:t>0.14</a:t>
+            </a:r>
+            <a:endParaRPr lang="en-US" b="1" dirty="0">
+              <a:solidFill>
+                <a:schemeClr val="accent1"/>
+              </a:solidFill>
+            </a:endParaRPr>
+          </a:p>
+        </p:txBody>
+      </p:sp>
+      <p:sp>
+        <p:nvSpPr>
+          <p:cNvPr id="54" name="TextBox 53"/>
+          <p:cNvSpPr txBox="1"/>
+          <p:nvPr/>
+        </p:nvSpPr>
+        <p:spPr>
+          <a:xfrm>
+            <a:off x="22555731" y="797375"/>
+            <a:ext cx="1587294" cy="1034579"/>
+          </a:xfrm>
+          <a:prstGeom prst="rect">
+            <a:avLst/>
+          </a:prstGeom>
+          <a:noFill/>
+        </p:spPr>
+        <p:txBody>
+          <a:bodyPr wrap="none" rtlCol="0">
+            <a:spAutoFit/>
+          </a:bodyPr>
+          <a:lstStyle/>
+          <a:p>
+            <a:r>
+              <a:rPr lang="en-US" b="1" dirty="0" smtClean="0">
+                <a:solidFill>
+                  <a:schemeClr val="accent1"/>
+                </a:solidFill>
+              </a:rPr>
+              <a:t>0.15</a:t>
+            </a:r>
+            <a:endParaRPr lang="en-US" b="1" dirty="0">
+              <a:solidFill>
+                <a:schemeClr val="accent1"/>
+              </a:solidFill>
+            </a:endParaRPr>
           </a:p>
         </p:txBody>
       </p:sp>
